--- a/ESP_32/Pin_Configuration/Pictures/Customised.pptx
+++ b/ESP_32/Pin_Configuration/Pictures/Customised.pptx
@@ -104,6 +104,11 @@
       </a:defRPr>
     </a:lvl9pPr>
   </p:defaultTextStyle>
+  <p:extLst>
+    <p:ext uri="{EFAFB233-063F-42B5-8137-9DF3F51BA10A}">
+      <p15:sldGuideLst xmlns:p15="http://schemas.microsoft.com/office/powerpoint/2012/main"/>
+    </p:ext>
+  </p:extLst>
 </p:presentation>
 </file>
 
@@ -256,7 +261,7 @@
           <a:p>
             <a:fld id="{697CB784-9A62-4320-BA03-04A6CBB8A4A5}" type="datetimeFigureOut">
               <a:rPr lang="en-SG" smtClean="0"/>
-              <a:t>14/12/2019</a:t>
+              <a:t>18/2/2020</a:t>
             </a:fld>
             <a:endParaRPr lang="en-SG"/>
           </a:p>
@@ -456,7 +461,7 @@
           <a:p>
             <a:fld id="{697CB784-9A62-4320-BA03-04A6CBB8A4A5}" type="datetimeFigureOut">
               <a:rPr lang="en-SG" smtClean="0"/>
-              <a:t>14/12/2019</a:t>
+              <a:t>18/2/2020</a:t>
             </a:fld>
             <a:endParaRPr lang="en-SG"/>
           </a:p>
@@ -666,7 +671,7 @@
           <a:p>
             <a:fld id="{697CB784-9A62-4320-BA03-04A6CBB8A4A5}" type="datetimeFigureOut">
               <a:rPr lang="en-SG" smtClean="0"/>
-              <a:t>14/12/2019</a:t>
+              <a:t>18/2/2020</a:t>
             </a:fld>
             <a:endParaRPr lang="en-SG"/>
           </a:p>
@@ -866,7 +871,7 @@
           <a:p>
             <a:fld id="{697CB784-9A62-4320-BA03-04A6CBB8A4A5}" type="datetimeFigureOut">
               <a:rPr lang="en-SG" smtClean="0"/>
-              <a:t>14/12/2019</a:t>
+              <a:t>18/2/2020</a:t>
             </a:fld>
             <a:endParaRPr lang="en-SG"/>
           </a:p>
@@ -1142,7 +1147,7 @@
           <a:p>
             <a:fld id="{697CB784-9A62-4320-BA03-04A6CBB8A4A5}" type="datetimeFigureOut">
               <a:rPr lang="en-SG" smtClean="0"/>
-              <a:t>14/12/2019</a:t>
+              <a:t>18/2/2020</a:t>
             </a:fld>
             <a:endParaRPr lang="en-SG"/>
           </a:p>
@@ -1410,7 +1415,7 @@
           <a:p>
             <a:fld id="{697CB784-9A62-4320-BA03-04A6CBB8A4A5}" type="datetimeFigureOut">
               <a:rPr lang="en-SG" smtClean="0"/>
-              <a:t>14/12/2019</a:t>
+              <a:t>18/2/2020</a:t>
             </a:fld>
             <a:endParaRPr lang="en-SG"/>
           </a:p>
@@ -1825,7 +1830,7 @@
           <a:p>
             <a:fld id="{697CB784-9A62-4320-BA03-04A6CBB8A4A5}" type="datetimeFigureOut">
               <a:rPr lang="en-SG" smtClean="0"/>
-              <a:t>14/12/2019</a:t>
+              <a:t>18/2/2020</a:t>
             </a:fld>
             <a:endParaRPr lang="en-SG"/>
           </a:p>
@@ -1967,7 +1972,7 @@
           <a:p>
             <a:fld id="{697CB784-9A62-4320-BA03-04A6CBB8A4A5}" type="datetimeFigureOut">
               <a:rPr lang="en-SG" smtClean="0"/>
-              <a:t>14/12/2019</a:t>
+              <a:t>18/2/2020</a:t>
             </a:fld>
             <a:endParaRPr lang="en-SG"/>
           </a:p>
@@ -2080,7 +2085,7 @@
           <a:p>
             <a:fld id="{697CB784-9A62-4320-BA03-04A6CBB8A4A5}" type="datetimeFigureOut">
               <a:rPr lang="en-SG" smtClean="0"/>
-              <a:t>14/12/2019</a:t>
+              <a:t>18/2/2020</a:t>
             </a:fld>
             <a:endParaRPr lang="en-SG"/>
           </a:p>
@@ -2393,7 +2398,7 @@
           <a:p>
             <a:fld id="{697CB784-9A62-4320-BA03-04A6CBB8A4A5}" type="datetimeFigureOut">
               <a:rPr lang="en-SG" smtClean="0"/>
-              <a:t>14/12/2019</a:t>
+              <a:t>18/2/2020</a:t>
             </a:fld>
             <a:endParaRPr lang="en-SG"/>
           </a:p>
@@ -2682,7 +2687,7 @@
           <a:p>
             <a:fld id="{697CB784-9A62-4320-BA03-04A6CBB8A4A5}" type="datetimeFigureOut">
               <a:rPr lang="en-SG" smtClean="0"/>
-              <a:t>14/12/2019</a:t>
+              <a:t>18/2/2020</a:t>
             </a:fld>
             <a:endParaRPr lang="en-SG"/>
           </a:p>
@@ -2925,7 +2930,7 @@
           <a:p>
             <a:fld id="{697CB784-9A62-4320-BA03-04A6CBB8A4A5}" type="datetimeFigureOut">
               <a:rPr lang="en-SG" smtClean="0"/>
-              <a:t>14/12/2019</a:t>
+              <a:t>18/2/2020</a:t>
             </a:fld>
             <a:endParaRPr lang="en-SG"/>
           </a:p>
@@ -3569,247 +3574,3224 @@
           </p:txBody>
         </p:sp>
       </p:grpSp>
-      <p:sp>
-        <p:nvSpPr>
-          <p:cNvPr id="10" name="Rectangle 9">
-            <a:extLst>
-              <a:ext uri="{FF2B5EF4-FFF2-40B4-BE49-F238E27FC236}">
-                <a16:creationId xmlns:a16="http://schemas.microsoft.com/office/drawing/2014/main" id="{0E87CA1F-C829-4B8B-8113-1FA182A4B6A2}"/>
-              </a:ext>
-            </a:extLst>
-          </p:cNvPr>
-          <p:cNvSpPr/>
+      <p:grpSp>
+        <p:nvGrpSpPr>
+          <p:cNvPr id="3" name="Group 2">
+            <a:extLst>
+              <a:ext uri="{FF2B5EF4-FFF2-40B4-BE49-F238E27FC236}">
+                <a16:creationId xmlns:a16="http://schemas.microsoft.com/office/drawing/2014/main" id="{A787F0B3-91EC-4764-8953-DD696D4D2A18}"/>
+              </a:ext>
+            </a:extLst>
+          </p:cNvPr>
+          <p:cNvGrpSpPr/>
           <p:nvPr/>
-        </p:nvSpPr>
-        <p:spPr>
+        </p:nvGrpSpPr>
+        <p:grpSpPr>
           <a:xfrm>
-            <a:off x="3093720" y="2386012"/>
-            <a:ext cx="819150" cy="184785"/>
+            <a:off x="77491" y="1451264"/>
+            <a:ext cx="4316097" cy="186691"/>
+            <a:chOff x="77491" y="1451264"/>
+            <a:chExt cx="4316097" cy="186691"/>
           </a:xfrm>
-          <a:prstGeom prst="rect">
-            <a:avLst/>
-          </a:prstGeom>
-          <a:solidFill>
-            <a:schemeClr val="bg1"/>
-          </a:solidFill>
-          <a:ln>
+        </p:grpSpPr>
+        <p:sp>
+          <p:nvSpPr>
+            <p:cNvPr id="13" name="Rectangle 12">
+              <a:extLst>
+                <a:ext uri="{FF2B5EF4-FFF2-40B4-BE49-F238E27FC236}">
+                  <a16:creationId xmlns:a16="http://schemas.microsoft.com/office/drawing/2014/main" id="{20289175-9955-4123-BC5D-CE7CDAC92E03}"/>
+                </a:ext>
+              </a:extLst>
+            </p:cNvPr>
+            <p:cNvSpPr/>
+            <p:nvPr/>
+          </p:nvSpPr>
+          <p:spPr>
+            <a:xfrm>
+              <a:off x="3079771" y="1453170"/>
+              <a:ext cx="819150" cy="184785"/>
+            </a:xfrm>
+            <a:prstGeom prst="rect">
+              <a:avLst/>
+            </a:prstGeom>
             <a:solidFill>
-              <a:srgbClr val="FF0000"/>
+              <a:schemeClr val="bg1"/>
             </a:solidFill>
-          </a:ln>
-        </p:spPr>
-        <p:style>
-          <a:lnRef idx="2">
-            <a:schemeClr val="accent1">
-              <a:shade val="50000"/>
-            </a:schemeClr>
-          </a:lnRef>
-          <a:fillRef idx="1">
-            <a:schemeClr val="accent1"/>
-          </a:fillRef>
-          <a:effectRef idx="0">
-            <a:schemeClr val="accent1"/>
-          </a:effectRef>
-          <a:fontRef idx="minor">
-            <a:schemeClr val="lt1"/>
-          </a:fontRef>
-        </p:style>
-        <p:txBody>
-          <a:bodyPr rtlCol="0" anchor="ctr"/>
-          <a:lstStyle/>
-          <a:p>
-            <a:pPr algn="ctr"/>
-            <a:r>
-              <a:rPr lang="en-US" sz="1200" dirty="0">
+            <a:ln>
+              <a:solidFill>
+                <a:srgbClr val="FF0000"/>
+              </a:solidFill>
+            </a:ln>
+          </p:spPr>
+          <p:style>
+            <a:lnRef idx="2">
+              <a:schemeClr val="accent1">
+                <a:shade val="50000"/>
+              </a:schemeClr>
+            </a:lnRef>
+            <a:fillRef idx="1">
+              <a:schemeClr val="accent1"/>
+            </a:fillRef>
+            <a:effectRef idx="0">
+              <a:schemeClr val="accent1"/>
+            </a:effectRef>
+            <a:fontRef idx="minor">
+              <a:schemeClr val="lt1"/>
+            </a:fontRef>
+          </p:style>
+          <p:txBody>
+            <a:bodyPr rtlCol="0" anchor="ctr"/>
+            <a:lstStyle/>
+            <a:p>
+              <a:pPr algn="ctr"/>
+              <a:r>
+                <a:rPr lang="en-US" sz="1200" dirty="0">
+                  <a:solidFill>
+                    <a:schemeClr val="tx1"/>
+                  </a:solidFill>
+                  <a:latin typeface="Times New Roman" panose="02020603050405020304" pitchFamily="18" charset="0"/>
+                  <a:cs typeface="Times New Roman" panose="02020603050405020304" pitchFamily="18" charset="0"/>
+                </a:rPr>
+                <a:t>Analog In</a:t>
+              </a:r>
+              <a:endParaRPr lang="en-SG" sz="1200" dirty="0">
                 <a:solidFill>
                   <a:schemeClr val="tx1"/>
                 </a:solidFill>
                 <a:latin typeface="Times New Roman" panose="02020603050405020304" pitchFamily="18" charset="0"/>
                 <a:cs typeface="Times New Roman" panose="02020603050405020304" pitchFamily="18" charset="0"/>
-              </a:rPr>
-              <a:t>Analog In</a:t>
-            </a:r>
-            <a:endParaRPr lang="en-SG" sz="1200" dirty="0">
+              </a:endParaRPr>
+            </a:p>
+          </p:txBody>
+        </p:sp>
+        <p:cxnSp>
+          <p:nvCxnSpPr>
+            <p:cNvPr id="16" name="Straight Arrow Connector 15">
+              <a:extLst>
+                <a:ext uri="{FF2B5EF4-FFF2-40B4-BE49-F238E27FC236}">
+                  <a16:creationId xmlns:a16="http://schemas.microsoft.com/office/drawing/2014/main" id="{89528A26-0C85-47BA-BAB7-28E9DC750A39}"/>
+                </a:ext>
+              </a:extLst>
+            </p:cNvPr>
+            <p:cNvCxnSpPr>
+              <a:cxnSpLocks/>
+              <a:stCxn id="13" idx="3"/>
+            </p:cNvCxnSpPr>
+            <p:nvPr/>
+          </p:nvCxnSpPr>
+          <p:spPr>
+            <a:xfrm>
+              <a:off x="3898921" y="1545563"/>
+              <a:ext cx="494667" cy="0"/>
+            </a:xfrm>
+            <a:prstGeom prst="straightConnector1">
+              <a:avLst/>
+            </a:prstGeom>
+            <a:ln w="19050">
               <a:solidFill>
-                <a:schemeClr val="tx1"/>
+                <a:srgbClr val="FF0000"/>
               </a:solidFill>
-              <a:latin typeface="Times New Roman" panose="02020603050405020304" pitchFamily="18" charset="0"/>
-              <a:cs typeface="Times New Roman" panose="02020603050405020304" pitchFamily="18" charset="0"/>
-            </a:endParaRPr>
-          </a:p>
-        </p:txBody>
-      </p:sp>
-      <p:cxnSp>
-        <p:nvCxnSpPr>
-          <p:cNvPr id="12" name="Straight Arrow Connector 11">
-            <a:extLst>
-              <a:ext uri="{FF2B5EF4-FFF2-40B4-BE49-F238E27FC236}">
-                <a16:creationId xmlns:a16="http://schemas.microsoft.com/office/drawing/2014/main" id="{824CC35F-CEF9-4285-AF66-164CB0F100C4}"/>
-              </a:ext>
-            </a:extLst>
-          </p:cNvPr>
-          <p:cNvCxnSpPr>
-            <a:cxnSpLocks/>
-            <a:stCxn id="10" idx="3"/>
-          </p:cNvCxnSpPr>
-          <p:nvPr/>
-        </p:nvCxnSpPr>
-        <p:spPr>
-          <a:xfrm>
-            <a:off x="3912870" y="2478405"/>
-            <a:ext cx="494667" cy="0"/>
-          </a:xfrm>
-          <a:prstGeom prst="straightConnector1">
-            <a:avLst/>
-          </a:prstGeom>
-          <a:ln w="19050">
+              <a:tailEnd type="triangle"/>
+            </a:ln>
+          </p:spPr>
+          <p:style>
+            <a:lnRef idx="1">
+              <a:schemeClr val="accent1"/>
+            </a:lnRef>
+            <a:fillRef idx="0">
+              <a:schemeClr val="accent1"/>
+            </a:fillRef>
+            <a:effectRef idx="0">
+              <a:schemeClr val="accent1"/>
+            </a:effectRef>
+            <a:fontRef idx="minor">
+              <a:schemeClr val="tx1"/>
+            </a:fontRef>
+          </p:style>
+        </p:cxnSp>
+        <p:sp>
+          <p:nvSpPr>
+            <p:cNvPr id="17" name="Rectangle 16">
+              <a:extLst>
+                <a:ext uri="{FF2B5EF4-FFF2-40B4-BE49-F238E27FC236}">
+                  <a16:creationId xmlns:a16="http://schemas.microsoft.com/office/drawing/2014/main" id="{762A91D2-29CD-4CA8-B88D-7C630165F939}"/>
+                </a:ext>
+              </a:extLst>
+            </p:cNvPr>
+            <p:cNvSpPr/>
+            <p:nvPr/>
+          </p:nvSpPr>
+          <p:spPr>
+            <a:xfrm>
+              <a:off x="77491" y="1451264"/>
+              <a:ext cx="2621280" cy="184785"/>
+            </a:xfrm>
+            <a:prstGeom prst="rect">
+              <a:avLst/>
+            </a:prstGeom>
             <a:solidFill>
-              <a:srgbClr val="FF0000"/>
+              <a:schemeClr val="bg1"/>
             </a:solidFill>
-            <a:tailEnd type="triangle"/>
-          </a:ln>
-        </p:spPr>
-        <p:style>
-          <a:lnRef idx="1">
-            <a:schemeClr val="accent1"/>
-          </a:lnRef>
-          <a:fillRef idx="0">
-            <a:schemeClr val="accent1"/>
-          </a:fillRef>
-          <a:effectRef idx="0">
-            <a:schemeClr val="accent1"/>
-          </a:effectRef>
-          <a:fontRef idx="minor">
-            <a:schemeClr val="tx1"/>
-          </a:fontRef>
-        </p:style>
-      </p:cxnSp>
-      <p:sp>
-        <p:nvSpPr>
-          <p:cNvPr id="14" name="Rectangle 13">
-            <a:extLst>
-              <a:ext uri="{FF2B5EF4-FFF2-40B4-BE49-F238E27FC236}">
-                <a16:creationId xmlns:a16="http://schemas.microsoft.com/office/drawing/2014/main" id="{334ED4D8-42CC-4E9E-9D00-D42544EC963B}"/>
-              </a:ext>
-            </a:extLst>
-          </p:cNvPr>
-          <p:cNvSpPr/>
-          <p:nvPr/>
-        </p:nvSpPr>
-        <p:spPr>
-          <a:xfrm>
-            <a:off x="91440" y="2384106"/>
-            <a:ext cx="2621280" cy="184785"/>
-          </a:xfrm>
-          <a:prstGeom prst="rect">
-            <a:avLst/>
-          </a:prstGeom>
-          <a:solidFill>
-            <a:schemeClr val="bg1"/>
-          </a:solidFill>
-          <a:ln>
-            <a:solidFill>
-              <a:srgbClr val="FF0000"/>
-            </a:solidFill>
-          </a:ln>
-        </p:spPr>
-        <p:style>
-          <a:lnRef idx="2">
-            <a:schemeClr val="accent1">
-              <a:shade val="50000"/>
-            </a:schemeClr>
-          </a:lnRef>
-          <a:fillRef idx="1">
-            <a:schemeClr val="accent1"/>
-          </a:fillRef>
-          <a:effectRef idx="0">
-            <a:schemeClr val="accent1"/>
-          </a:effectRef>
-          <a:fontRef idx="minor">
-            <a:schemeClr val="lt1"/>
-          </a:fontRef>
-        </p:style>
-        <p:txBody>
-          <a:bodyPr rtlCol="0" anchor="ctr"/>
-          <a:lstStyle/>
-          <a:p>
-            <a:pPr algn="ctr"/>
-            <a:r>
-              <a:rPr lang="en-US" sz="1200" dirty="0" err="1">
+            <a:ln>
+              <a:solidFill>
+                <a:srgbClr val="FF0000"/>
+              </a:solidFill>
+            </a:ln>
+          </p:spPr>
+          <p:style>
+            <a:lnRef idx="2">
+              <a:schemeClr val="accent1">
+                <a:shade val="50000"/>
+              </a:schemeClr>
+            </a:lnRef>
+            <a:fillRef idx="1">
+              <a:schemeClr val="accent1"/>
+            </a:fillRef>
+            <a:effectRef idx="0">
+              <a:schemeClr val="accent1"/>
+            </a:effectRef>
+            <a:fontRef idx="minor">
+              <a:schemeClr val="lt1"/>
+            </a:fontRef>
+          </p:style>
+          <p:txBody>
+            <a:bodyPr rtlCol="0" anchor="ctr"/>
+            <a:lstStyle/>
+            <a:p>
+              <a:pPr algn="ctr"/>
+              <a:r>
+                <a:rPr lang="en-US" sz="1200" dirty="0">
+                  <a:solidFill>
+                    <a:schemeClr val="tx1"/>
+                  </a:solidFill>
+                  <a:latin typeface="Times New Roman" panose="02020603050405020304" pitchFamily="18" charset="0"/>
+                  <a:cs typeface="Times New Roman" panose="02020603050405020304" pitchFamily="18" charset="0"/>
+                </a:rPr>
+                <a:t>MQ-135 Gas Sensor Data Line</a:t>
+              </a:r>
+              <a:endParaRPr lang="en-SG" sz="1200" dirty="0">
                 <a:solidFill>
                   <a:schemeClr val="tx1"/>
                 </a:solidFill>
                 <a:latin typeface="Times New Roman" panose="02020603050405020304" pitchFamily="18" charset="0"/>
                 <a:cs typeface="Times New Roman" panose="02020603050405020304" pitchFamily="18" charset="0"/>
-              </a:rPr>
-              <a:t>Eg.</a:t>
-            </a:r>
+              </a:endParaRPr>
+            </a:p>
+          </p:txBody>
+        </p:sp>
+        <p:cxnSp>
+          <p:nvCxnSpPr>
+            <p:cNvPr id="18" name="Straight Arrow Connector 17">
+              <a:extLst>
+                <a:ext uri="{FF2B5EF4-FFF2-40B4-BE49-F238E27FC236}">
+                  <a16:creationId xmlns:a16="http://schemas.microsoft.com/office/drawing/2014/main" id="{2EAAF92E-1BE8-445A-8D85-6645EE24156F}"/>
+                </a:ext>
+              </a:extLst>
+            </p:cNvPr>
+            <p:cNvCxnSpPr>
+              <a:cxnSpLocks/>
+              <a:stCxn id="17" idx="3"/>
+              <a:endCxn id="13" idx="1"/>
+            </p:cNvCxnSpPr>
+            <p:nvPr/>
+          </p:nvCxnSpPr>
+          <p:spPr>
+            <a:xfrm>
+              <a:off x="2698771" y="1543657"/>
+              <a:ext cx="381000" cy="1906"/>
+            </a:xfrm>
+            <a:prstGeom prst="straightConnector1">
+              <a:avLst/>
+            </a:prstGeom>
+            <a:ln w="19050">
+              <a:solidFill>
+                <a:srgbClr val="FF0000"/>
+              </a:solidFill>
+              <a:tailEnd type="triangle"/>
+            </a:ln>
+          </p:spPr>
+          <p:style>
+            <a:lnRef idx="1">
+              <a:schemeClr val="accent1"/>
+            </a:lnRef>
+            <a:fillRef idx="0">
+              <a:schemeClr val="accent1"/>
+            </a:fillRef>
+            <a:effectRef idx="0">
+              <a:schemeClr val="accent1"/>
+            </a:effectRef>
+            <a:fontRef idx="minor">
+              <a:schemeClr val="tx1"/>
+            </a:fontRef>
+          </p:style>
+        </p:cxnSp>
+      </p:grpSp>
+      <p:grpSp>
+        <p:nvGrpSpPr>
+          <p:cNvPr id="48" name="Group 47">
+            <a:extLst>
+              <a:ext uri="{FF2B5EF4-FFF2-40B4-BE49-F238E27FC236}">
+                <a16:creationId xmlns:a16="http://schemas.microsoft.com/office/drawing/2014/main" id="{AFEB86EA-163D-450C-A83E-3DE9001CFDA7}"/>
+              </a:ext>
+            </a:extLst>
+          </p:cNvPr>
+          <p:cNvGrpSpPr/>
+          <p:nvPr/>
+        </p:nvGrpSpPr>
+        <p:grpSpPr>
+          <a:xfrm>
+            <a:off x="7803763" y="4523748"/>
+            <a:ext cx="4310743" cy="181400"/>
+            <a:chOff x="7803763" y="4523748"/>
+            <a:chExt cx="4310743" cy="181400"/>
+          </a:xfrm>
+        </p:grpSpPr>
+        <p:grpSp>
+          <p:nvGrpSpPr>
+            <p:cNvPr id="42" name="Group 41">
+              <a:extLst>
+                <a:ext uri="{FF2B5EF4-FFF2-40B4-BE49-F238E27FC236}">
+                  <a16:creationId xmlns:a16="http://schemas.microsoft.com/office/drawing/2014/main" id="{16474EAE-32E6-48EC-8845-E2C430F1473F}"/>
+                </a:ext>
+              </a:extLst>
+            </p:cNvPr>
+            <p:cNvGrpSpPr/>
+            <p:nvPr/>
+          </p:nvGrpSpPr>
+          <p:grpSpPr>
+            <a:xfrm>
+              <a:off x="7803763" y="4523748"/>
+              <a:ext cx="4310743" cy="181400"/>
+              <a:chOff x="7803763" y="4523748"/>
+              <a:chExt cx="4310743" cy="181400"/>
+            </a:xfrm>
+          </p:grpSpPr>
+          <p:grpSp>
+            <p:nvGrpSpPr>
+              <p:cNvPr id="19" name="Group 18">
+                <a:extLst>
+                  <a:ext uri="{FF2B5EF4-FFF2-40B4-BE49-F238E27FC236}">
+                    <a16:creationId xmlns:a16="http://schemas.microsoft.com/office/drawing/2014/main" id="{CC991D9B-65A7-459A-8ABE-6A3CE4DD41B6}"/>
+                  </a:ext>
+                </a:extLst>
+              </p:cNvPr>
+              <p:cNvGrpSpPr/>
+              <p:nvPr/>
+            </p:nvGrpSpPr>
+            <p:grpSpPr>
+              <a:xfrm flipH="1">
+                <a:off x="8298296" y="4523748"/>
+                <a:ext cx="3816210" cy="181400"/>
+                <a:chOff x="77494" y="1451264"/>
+                <a:chExt cx="3821561" cy="183271"/>
+              </a:xfrm>
+            </p:grpSpPr>
+            <p:sp>
+              <p:nvSpPr>
+                <p:cNvPr id="20" name="Rectangle 19">
+                  <a:extLst>
+                    <a:ext uri="{FF2B5EF4-FFF2-40B4-BE49-F238E27FC236}">
+                      <a16:creationId xmlns:a16="http://schemas.microsoft.com/office/drawing/2014/main" id="{F3DDC048-D2C6-4153-9419-A78DCD10C57D}"/>
+                    </a:ext>
+                  </a:extLst>
+                </p:cNvPr>
+                <p:cNvSpPr/>
+                <p:nvPr/>
+              </p:nvSpPr>
+              <p:spPr>
+                <a:xfrm>
+                  <a:off x="2831015" y="1453170"/>
+                  <a:ext cx="1068040" cy="181365"/>
+                </a:xfrm>
+                <a:prstGeom prst="rect">
+                  <a:avLst/>
+                </a:prstGeom>
+                <a:solidFill>
+                  <a:schemeClr val="bg1"/>
+                </a:solidFill>
+                <a:ln>
+                  <a:solidFill>
+                    <a:schemeClr val="accent6"/>
+                  </a:solidFill>
+                </a:ln>
+              </p:spPr>
+              <p:style>
+                <a:lnRef idx="2">
+                  <a:schemeClr val="accent1">
+                    <a:shade val="50000"/>
+                  </a:schemeClr>
+                </a:lnRef>
+                <a:fillRef idx="1">
+                  <a:schemeClr val="accent1"/>
+                </a:fillRef>
+                <a:effectRef idx="0">
+                  <a:schemeClr val="accent1"/>
+                </a:effectRef>
+                <a:fontRef idx="minor">
+                  <a:schemeClr val="lt1"/>
+                </a:fontRef>
+              </p:style>
+              <p:txBody>
+                <a:bodyPr rtlCol="0" anchor="ctr"/>
+                <a:lstStyle/>
+                <a:p>
+                  <a:pPr algn="ctr"/>
+                  <a:r>
+                    <a:rPr lang="en-US" sz="1200" dirty="0">
+                      <a:solidFill>
+                        <a:schemeClr val="tx1"/>
+                      </a:solidFill>
+                      <a:latin typeface="Times New Roman" panose="02020603050405020304" pitchFamily="18" charset="0"/>
+                      <a:cs typeface="Times New Roman" panose="02020603050405020304" pitchFamily="18" charset="0"/>
+                    </a:rPr>
+                    <a:t>Digital Out</a:t>
+                  </a:r>
+                  <a:endParaRPr lang="en-SG" sz="1200" dirty="0">
+                    <a:solidFill>
+                      <a:schemeClr val="tx1"/>
+                    </a:solidFill>
+                    <a:latin typeface="Times New Roman" panose="02020603050405020304" pitchFamily="18" charset="0"/>
+                    <a:cs typeface="Times New Roman" panose="02020603050405020304" pitchFamily="18" charset="0"/>
+                  </a:endParaRPr>
+                </a:p>
+              </p:txBody>
+            </p:sp>
+            <p:sp>
+              <p:nvSpPr>
+                <p:cNvPr id="22" name="Rectangle 21">
+                  <a:extLst>
+                    <a:ext uri="{FF2B5EF4-FFF2-40B4-BE49-F238E27FC236}">
+                      <a16:creationId xmlns:a16="http://schemas.microsoft.com/office/drawing/2014/main" id="{30145D4E-0458-47B4-9084-26550F0A6DEB}"/>
+                    </a:ext>
+                  </a:extLst>
+                </p:cNvPr>
+                <p:cNvSpPr/>
+                <p:nvPr/>
+              </p:nvSpPr>
+              <p:spPr>
+                <a:xfrm>
+                  <a:off x="77494" y="1451264"/>
+                  <a:ext cx="2325695" cy="181365"/>
+                </a:xfrm>
+                <a:prstGeom prst="rect">
+                  <a:avLst/>
+                </a:prstGeom>
+                <a:solidFill>
+                  <a:schemeClr val="bg1"/>
+                </a:solidFill>
+                <a:ln>
+                  <a:solidFill>
+                    <a:schemeClr val="accent6"/>
+                  </a:solidFill>
+                </a:ln>
+              </p:spPr>
+              <p:style>
+                <a:lnRef idx="2">
+                  <a:schemeClr val="accent1">
+                    <a:shade val="50000"/>
+                  </a:schemeClr>
+                </a:lnRef>
+                <a:fillRef idx="1">
+                  <a:schemeClr val="accent1"/>
+                </a:fillRef>
+                <a:effectRef idx="0">
+                  <a:schemeClr val="accent1"/>
+                </a:effectRef>
+                <a:fontRef idx="minor">
+                  <a:schemeClr val="lt1"/>
+                </a:fontRef>
+              </p:style>
+              <p:txBody>
+                <a:bodyPr rtlCol="0" anchor="ctr"/>
+                <a:lstStyle/>
+                <a:p>
+                  <a:pPr algn="ctr"/>
+                  <a:r>
+                    <a:rPr lang="en-US" sz="1200" dirty="0">
+                      <a:solidFill>
+                        <a:schemeClr val="tx1"/>
+                      </a:solidFill>
+                      <a:latin typeface="Times New Roman" panose="02020603050405020304" pitchFamily="18" charset="0"/>
+                      <a:cs typeface="Times New Roman" panose="02020603050405020304" pitchFamily="18" charset="0"/>
+                    </a:rPr>
+                    <a:t>L298 Motor A: IN1</a:t>
+                  </a:r>
+                  <a:endParaRPr lang="en-SG" sz="1200" dirty="0">
+                    <a:solidFill>
+                      <a:schemeClr val="tx1"/>
+                    </a:solidFill>
+                    <a:latin typeface="Times New Roman" panose="02020603050405020304" pitchFamily="18" charset="0"/>
+                    <a:cs typeface="Times New Roman" panose="02020603050405020304" pitchFamily="18" charset="0"/>
+                  </a:endParaRPr>
+                </a:p>
+              </p:txBody>
+            </p:sp>
+          </p:grpSp>
+          <p:cxnSp>
+            <p:nvCxnSpPr>
+              <p:cNvPr id="34" name="Straight Arrow Connector 33">
+                <a:extLst>
+                  <a:ext uri="{FF2B5EF4-FFF2-40B4-BE49-F238E27FC236}">
+                    <a16:creationId xmlns:a16="http://schemas.microsoft.com/office/drawing/2014/main" id="{17ED11A0-8B47-46EC-BA7F-CD6D64C80700}"/>
+                  </a:ext>
+                </a:extLst>
+              </p:cNvPr>
+              <p:cNvCxnSpPr>
+                <a:cxnSpLocks/>
+              </p:cNvCxnSpPr>
+              <p:nvPr/>
+            </p:nvCxnSpPr>
+            <p:spPr>
+              <a:xfrm>
+                <a:off x="7803763" y="4615197"/>
+                <a:ext cx="494667" cy="0"/>
+              </a:xfrm>
+              <a:prstGeom prst="straightConnector1">
+                <a:avLst/>
+              </a:prstGeom>
+              <a:ln w="19050">
+                <a:solidFill>
+                  <a:schemeClr val="accent6"/>
+                </a:solidFill>
+                <a:tailEnd type="triangle"/>
+              </a:ln>
+            </p:spPr>
+            <p:style>
+              <a:lnRef idx="1">
+                <a:schemeClr val="accent1"/>
+              </a:lnRef>
+              <a:fillRef idx="0">
+                <a:schemeClr val="accent1"/>
+              </a:fillRef>
+              <a:effectRef idx="0">
+                <a:schemeClr val="accent1"/>
+              </a:effectRef>
+              <a:fontRef idx="minor">
+                <a:schemeClr val="tx1"/>
+              </a:fontRef>
+            </p:style>
+          </p:cxnSp>
+        </p:grpSp>
+        <p:cxnSp>
+          <p:nvCxnSpPr>
+            <p:cNvPr id="35" name="Straight Arrow Connector 34">
+              <a:extLst>
+                <a:ext uri="{FF2B5EF4-FFF2-40B4-BE49-F238E27FC236}">
+                  <a16:creationId xmlns:a16="http://schemas.microsoft.com/office/drawing/2014/main" id="{F012213E-3918-4693-992E-BD35699D2A82}"/>
+                </a:ext>
+              </a:extLst>
+            </p:cNvPr>
+            <p:cNvCxnSpPr>
+              <a:cxnSpLocks/>
+            </p:cNvCxnSpPr>
+            <p:nvPr/>
+          </p:nvCxnSpPr>
+          <p:spPr>
+            <a:xfrm>
+              <a:off x="9387955" y="4614448"/>
+              <a:ext cx="404114" cy="0"/>
+            </a:xfrm>
+            <a:prstGeom prst="straightConnector1">
+              <a:avLst/>
+            </a:prstGeom>
+            <a:ln w="19050">
+              <a:solidFill>
+                <a:schemeClr val="accent6"/>
+              </a:solidFill>
+              <a:tailEnd type="triangle"/>
+            </a:ln>
+          </p:spPr>
+          <p:style>
+            <a:lnRef idx="1">
+              <a:schemeClr val="accent1"/>
+            </a:lnRef>
+            <a:fillRef idx="0">
+              <a:schemeClr val="accent1"/>
+            </a:fillRef>
+            <a:effectRef idx="0">
+              <a:schemeClr val="accent1"/>
+            </a:effectRef>
+            <a:fontRef idx="minor">
+              <a:schemeClr val="tx1"/>
+            </a:fontRef>
+          </p:style>
+        </p:cxnSp>
+      </p:grpSp>
+      <p:grpSp>
+        <p:nvGrpSpPr>
+          <p:cNvPr id="49" name="Group 48">
+            <a:extLst>
+              <a:ext uri="{FF2B5EF4-FFF2-40B4-BE49-F238E27FC236}">
+                <a16:creationId xmlns:a16="http://schemas.microsoft.com/office/drawing/2014/main" id="{06D4580D-65D6-490B-8FB6-26CC21C44F5C}"/>
+              </a:ext>
+            </a:extLst>
+          </p:cNvPr>
+          <p:cNvGrpSpPr/>
+          <p:nvPr/>
+        </p:nvGrpSpPr>
+        <p:grpSpPr>
+          <a:xfrm>
+            <a:off x="7803763" y="4792393"/>
+            <a:ext cx="4310743" cy="181400"/>
+            <a:chOff x="7803763" y="4523748"/>
+            <a:chExt cx="4310743" cy="181400"/>
+          </a:xfrm>
+        </p:grpSpPr>
+        <p:grpSp>
+          <p:nvGrpSpPr>
+            <p:cNvPr id="50" name="Group 49">
+              <a:extLst>
+                <a:ext uri="{FF2B5EF4-FFF2-40B4-BE49-F238E27FC236}">
+                  <a16:creationId xmlns:a16="http://schemas.microsoft.com/office/drawing/2014/main" id="{907E89CE-33DA-4DD6-A6C0-E827153DDBE1}"/>
+                </a:ext>
+              </a:extLst>
+            </p:cNvPr>
+            <p:cNvGrpSpPr/>
+            <p:nvPr/>
+          </p:nvGrpSpPr>
+          <p:grpSpPr>
+            <a:xfrm>
+              <a:off x="7803763" y="4523748"/>
+              <a:ext cx="4310743" cy="181400"/>
+              <a:chOff x="7803763" y="4523748"/>
+              <a:chExt cx="4310743" cy="181400"/>
+            </a:xfrm>
+          </p:grpSpPr>
+          <p:grpSp>
+            <p:nvGrpSpPr>
+              <p:cNvPr id="52" name="Group 51">
+                <a:extLst>
+                  <a:ext uri="{FF2B5EF4-FFF2-40B4-BE49-F238E27FC236}">
+                    <a16:creationId xmlns:a16="http://schemas.microsoft.com/office/drawing/2014/main" id="{0D158F6A-B906-4D67-91BF-9EE80F2E235E}"/>
+                  </a:ext>
+                </a:extLst>
+              </p:cNvPr>
+              <p:cNvGrpSpPr/>
+              <p:nvPr/>
+            </p:nvGrpSpPr>
+            <p:grpSpPr>
+              <a:xfrm flipH="1">
+                <a:off x="8298296" y="4523748"/>
+                <a:ext cx="3816210" cy="181400"/>
+                <a:chOff x="77494" y="1451264"/>
+                <a:chExt cx="3821561" cy="183271"/>
+              </a:xfrm>
+            </p:grpSpPr>
+            <p:sp>
+              <p:nvSpPr>
+                <p:cNvPr id="54" name="Rectangle 53">
+                  <a:extLst>
+                    <a:ext uri="{FF2B5EF4-FFF2-40B4-BE49-F238E27FC236}">
+                      <a16:creationId xmlns:a16="http://schemas.microsoft.com/office/drawing/2014/main" id="{29CF6C7F-6BC7-4BCA-9FA4-41D933658367}"/>
+                    </a:ext>
+                  </a:extLst>
+                </p:cNvPr>
+                <p:cNvSpPr/>
+                <p:nvPr/>
+              </p:nvSpPr>
+              <p:spPr>
+                <a:xfrm>
+                  <a:off x="2831015" y="1453170"/>
+                  <a:ext cx="1068040" cy="181365"/>
+                </a:xfrm>
+                <a:prstGeom prst="rect">
+                  <a:avLst/>
+                </a:prstGeom>
+                <a:solidFill>
+                  <a:schemeClr val="bg1"/>
+                </a:solidFill>
+                <a:ln>
+                  <a:solidFill>
+                    <a:schemeClr val="accent6"/>
+                  </a:solidFill>
+                </a:ln>
+              </p:spPr>
+              <p:style>
+                <a:lnRef idx="2">
+                  <a:schemeClr val="accent1">
+                    <a:shade val="50000"/>
+                  </a:schemeClr>
+                </a:lnRef>
+                <a:fillRef idx="1">
+                  <a:schemeClr val="accent1"/>
+                </a:fillRef>
+                <a:effectRef idx="0">
+                  <a:schemeClr val="accent1"/>
+                </a:effectRef>
+                <a:fontRef idx="minor">
+                  <a:schemeClr val="lt1"/>
+                </a:fontRef>
+              </p:style>
+              <p:txBody>
+                <a:bodyPr rtlCol="0" anchor="ctr"/>
+                <a:lstStyle/>
+                <a:p>
+                  <a:pPr algn="ctr"/>
+                  <a:r>
+                    <a:rPr lang="en-US" sz="1200" dirty="0">
+                      <a:solidFill>
+                        <a:schemeClr val="tx1"/>
+                      </a:solidFill>
+                      <a:latin typeface="Times New Roman" panose="02020603050405020304" pitchFamily="18" charset="0"/>
+                      <a:cs typeface="Times New Roman" panose="02020603050405020304" pitchFamily="18" charset="0"/>
+                    </a:rPr>
+                    <a:t>Digital Out</a:t>
+                  </a:r>
+                  <a:endParaRPr lang="en-SG" sz="1200" dirty="0">
+                    <a:solidFill>
+                      <a:schemeClr val="tx1"/>
+                    </a:solidFill>
+                    <a:latin typeface="Times New Roman" panose="02020603050405020304" pitchFamily="18" charset="0"/>
+                    <a:cs typeface="Times New Roman" panose="02020603050405020304" pitchFamily="18" charset="0"/>
+                  </a:endParaRPr>
+                </a:p>
+              </p:txBody>
+            </p:sp>
+            <p:sp>
+              <p:nvSpPr>
+                <p:cNvPr id="55" name="Rectangle 54">
+                  <a:extLst>
+                    <a:ext uri="{FF2B5EF4-FFF2-40B4-BE49-F238E27FC236}">
+                      <a16:creationId xmlns:a16="http://schemas.microsoft.com/office/drawing/2014/main" id="{0F5CA260-971A-40C1-A9F9-05FAD8CF678D}"/>
+                    </a:ext>
+                  </a:extLst>
+                </p:cNvPr>
+                <p:cNvSpPr/>
+                <p:nvPr/>
+              </p:nvSpPr>
+              <p:spPr>
+                <a:xfrm>
+                  <a:off x="77494" y="1451264"/>
+                  <a:ext cx="2325695" cy="181365"/>
+                </a:xfrm>
+                <a:prstGeom prst="rect">
+                  <a:avLst/>
+                </a:prstGeom>
+                <a:solidFill>
+                  <a:schemeClr val="bg1"/>
+                </a:solidFill>
+                <a:ln>
+                  <a:solidFill>
+                    <a:schemeClr val="accent6"/>
+                  </a:solidFill>
+                </a:ln>
+              </p:spPr>
+              <p:style>
+                <a:lnRef idx="2">
+                  <a:schemeClr val="accent1">
+                    <a:shade val="50000"/>
+                  </a:schemeClr>
+                </a:lnRef>
+                <a:fillRef idx="1">
+                  <a:schemeClr val="accent1"/>
+                </a:fillRef>
+                <a:effectRef idx="0">
+                  <a:schemeClr val="accent1"/>
+                </a:effectRef>
+                <a:fontRef idx="minor">
+                  <a:schemeClr val="lt1"/>
+                </a:fontRef>
+              </p:style>
+              <p:txBody>
+                <a:bodyPr rtlCol="0" anchor="ctr"/>
+                <a:lstStyle/>
+                <a:p>
+                  <a:pPr algn="ctr"/>
+                  <a:r>
+                    <a:rPr lang="en-US" sz="1200" dirty="0">
+                      <a:solidFill>
+                        <a:schemeClr val="tx1"/>
+                      </a:solidFill>
+                      <a:latin typeface="Times New Roman" panose="02020603050405020304" pitchFamily="18" charset="0"/>
+                      <a:cs typeface="Times New Roman" panose="02020603050405020304" pitchFamily="18" charset="0"/>
+                    </a:rPr>
+                    <a:t>L298 Motor A: IN2</a:t>
+                  </a:r>
+                  <a:endParaRPr lang="en-SG" sz="1200" dirty="0">
+                    <a:solidFill>
+                      <a:schemeClr val="tx1"/>
+                    </a:solidFill>
+                    <a:latin typeface="Times New Roman" panose="02020603050405020304" pitchFamily="18" charset="0"/>
+                    <a:cs typeface="Times New Roman" panose="02020603050405020304" pitchFamily="18" charset="0"/>
+                  </a:endParaRPr>
+                </a:p>
+              </p:txBody>
+            </p:sp>
+          </p:grpSp>
+          <p:cxnSp>
+            <p:nvCxnSpPr>
+              <p:cNvPr id="53" name="Straight Arrow Connector 52">
+                <a:extLst>
+                  <a:ext uri="{FF2B5EF4-FFF2-40B4-BE49-F238E27FC236}">
+                    <a16:creationId xmlns:a16="http://schemas.microsoft.com/office/drawing/2014/main" id="{D4ACB814-EF8D-4B79-BE0A-63A40D43E335}"/>
+                  </a:ext>
+                </a:extLst>
+              </p:cNvPr>
+              <p:cNvCxnSpPr>
+                <a:cxnSpLocks/>
+              </p:cNvCxnSpPr>
+              <p:nvPr/>
+            </p:nvCxnSpPr>
+            <p:spPr>
+              <a:xfrm>
+                <a:off x="7803763" y="4615197"/>
+                <a:ext cx="494667" cy="0"/>
+              </a:xfrm>
+              <a:prstGeom prst="straightConnector1">
+                <a:avLst/>
+              </a:prstGeom>
+              <a:ln w="19050">
+                <a:solidFill>
+                  <a:schemeClr val="accent6"/>
+                </a:solidFill>
+                <a:tailEnd type="triangle"/>
+              </a:ln>
+            </p:spPr>
+            <p:style>
+              <a:lnRef idx="1">
+                <a:schemeClr val="accent1"/>
+              </a:lnRef>
+              <a:fillRef idx="0">
+                <a:schemeClr val="accent1"/>
+              </a:fillRef>
+              <a:effectRef idx="0">
+                <a:schemeClr val="accent1"/>
+              </a:effectRef>
+              <a:fontRef idx="minor">
+                <a:schemeClr val="tx1"/>
+              </a:fontRef>
+            </p:style>
+          </p:cxnSp>
+        </p:grpSp>
+        <p:cxnSp>
+          <p:nvCxnSpPr>
+            <p:cNvPr id="51" name="Straight Arrow Connector 50">
+              <a:extLst>
+                <a:ext uri="{FF2B5EF4-FFF2-40B4-BE49-F238E27FC236}">
+                  <a16:creationId xmlns:a16="http://schemas.microsoft.com/office/drawing/2014/main" id="{291ADDB0-3CE0-459E-8438-20A4D2D275F2}"/>
+                </a:ext>
+              </a:extLst>
+            </p:cNvPr>
+            <p:cNvCxnSpPr>
+              <a:cxnSpLocks/>
+            </p:cNvCxnSpPr>
+            <p:nvPr/>
+          </p:nvCxnSpPr>
+          <p:spPr>
+            <a:xfrm>
+              <a:off x="9387955" y="4614448"/>
+              <a:ext cx="404114" cy="0"/>
+            </a:xfrm>
+            <a:prstGeom prst="straightConnector1">
+              <a:avLst/>
+            </a:prstGeom>
+            <a:ln w="19050">
+              <a:solidFill>
+                <a:schemeClr val="accent6"/>
+              </a:solidFill>
+              <a:tailEnd type="triangle"/>
+            </a:ln>
+          </p:spPr>
+          <p:style>
+            <a:lnRef idx="1">
+              <a:schemeClr val="accent1"/>
+            </a:lnRef>
+            <a:fillRef idx="0">
+              <a:schemeClr val="accent1"/>
+            </a:fillRef>
+            <a:effectRef idx="0">
+              <a:schemeClr val="accent1"/>
+            </a:effectRef>
+            <a:fontRef idx="minor">
+              <a:schemeClr val="tx1"/>
+            </a:fontRef>
+          </p:style>
+        </p:cxnSp>
+      </p:grpSp>
+      <p:grpSp>
+        <p:nvGrpSpPr>
+          <p:cNvPr id="56" name="Group 55">
+            <a:extLst>
+              <a:ext uri="{FF2B5EF4-FFF2-40B4-BE49-F238E27FC236}">
+                <a16:creationId xmlns:a16="http://schemas.microsoft.com/office/drawing/2014/main" id="{EC9D9BC5-B4A8-4502-B21B-BBA9D1D655BA}"/>
+              </a:ext>
+            </a:extLst>
+          </p:cNvPr>
+          <p:cNvGrpSpPr/>
+          <p:nvPr/>
+        </p:nvGrpSpPr>
+        <p:grpSpPr>
+          <a:xfrm>
+            <a:off x="7803763" y="5101442"/>
+            <a:ext cx="4310743" cy="181400"/>
+            <a:chOff x="7803763" y="4523748"/>
+            <a:chExt cx="4310743" cy="181400"/>
+          </a:xfrm>
+        </p:grpSpPr>
+        <p:grpSp>
+          <p:nvGrpSpPr>
+            <p:cNvPr id="57" name="Group 56">
+              <a:extLst>
+                <a:ext uri="{FF2B5EF4-FFF2-40B4-BE49-F238E27FC236}">
+                  <a16:creationId xmlns:a16="http://schemas.microsoft.com/office/drawing/2014/main" id="{BA1E9F9B-FB8C-41F4-B137-B3333C32B95D}"/>
+                </a:ext>
+              </a:extLst>
+            </p:cNvPr>
+            <p:cNvGrpSpPr/>
+            <p:nvPr/>
+          </p:nvGrpSpPr>
+          <p:grpSpPr>
+            <a:xfrm>
+              <a:off x="7803763" y="4523748"/>
+              <a:ext cx="4310743" cy="181400"/>
+              <a:chOff x="7803763" y="4523748"/>
+              <a:chExt cx="4310743" cy="181400"/>
+            </a:xfrm>
+          </p:grpSpPr>
+          <p:grpSp>
+            <p:nvGrpSpPr>
+              <p:cNvPr id="59" name="Group 58">
+                <a:extLst>
+                  <a:ext uri="{FF2B5EF4-FFF2-40B4-BE49-F238E27FC236}">
+                    <a16:creationId xmlns:a16="http://schemas.microsoft.com/office/drawing/2014/main" id="{0AF8C7E7-CCF7-4497-9928-B9DAC7003E84}"/>
+                  </a:ext>
+                </a:extLst>
+              </p:cNvPr>
+              <p:cNvGrpSpPr/>
+              <p:nvPr/>
+            </p:nvGrpSpPr>
+            <p:grpSpPr>
+              <a:xfrm flipH="1">
+                <a:off x="8298296" y="4523748"/>
+                <a:ext cx="3816210" cy="181400"/>
+                <a:chOff x="77494" y="1451264"/>
+                <a:chExt cx="3821561" cy="183271"/>
+              </a:xfrm>
+            </p:grpSpPr>
+            <p:sp>
+              <p:nvSpPr>
+                <p:cNvPr id="61" name="Rectangle 60">
+                  <a:extLst>
+                    <a:ext uri="{FF2B5EF4-FFF2-40B4-BE49-F238E27FC236}">
+                      <a16:creationId xmlns:a16="http://schemas.microsoft.com/office/drawing/2014/main" id="{111D30F6-434E-479A-9712-57CEAF935024}"/>
+                    </a:ext>
+                  </a:extLst>
+                </p:cNvPr>
+                <p:cNvSpPr/>
+                <p:nvPr/>
+              </p:nvSpPr>
+              <p:spPr>
+                <a:xfrm>
+                  <a:off x="2831015" y="1453170"/>
+                  <a:ext cx="1068040" cy="181365"/>
+                </a:xfrm>
+                <a:prstGeom prst="rect">
+                  <a:avLst/>
+                </a:prstGeom>
+                <a:solidFill>
+                  <a:schemeClr val="bg1"/>
+                </a:solidFill>
+                <a:ln>
+                  <a:solidFill>
+                    <a:schemeClr val="accent6"/>
+                  </a:solidFill>
+                </a:ln>
+              </p:spPr>
+              <p:style>
+                <a:lnRef idx="2">
+                  <a:schemeClr val="accent1">
+                    <a:shade val="50000"/>
+                  </a:schemeClr>
+                </a:lnRef>
+                <a:fillRef idx="1">
+                  <a:schemeClr val="accent1"/>
+                </a:fillRef>
+                <a:effectRef idx="0">
+                  <a:schemeClr val="accent1"/>
+                </a:effectRef>
+                <a:fontRef idx="minor">
+                  <a:schemeClr val="lt1"/>
+                </a:fontRef>
+              </p:style>
+              <p:txBody>
+                <a:bodyPr rtlCol="0" anchor="ctr"/>
+                <a:lstStyle/>
+                <a:p>
+                  <a:pPr algn="ctr"/>
+                  <a:r>
+                    <a:rPr lang="en-US" sz="1200" dirty="0">
+                      <a:solidFill>
+                        <a:schemeClr val="tx1"/>
+                      </a:solidFill>
+                      <a:latin typeface="Times New Roman" panose="02020603050405020304" pitchFamily="18" charset="0"/>
+                      <a:cs typeface="Times New Roman" panose="02020603050405020304" pitchFamily="18" charset="0"/>
+                    </a:rPr>
+                    <a:t>Digital Out</a:t>
+                  </a:r>
+                  <a:endParaRPr lang="en-SG" sz="1200" dirty="0">
+                    <a:solidFill>
+                      <a:schemeClr val="tx1"/>
+                    </a:solidFill>
+                    <a:latin typeface="Times New Roman" panose="02020603050405020304" pitchFamily="18" charset="0"/>
+                    <a:cs typeface="Times New Roman" panose="02020603050405020304" pitchFamily="18" charset="0"/>
+                  </a:endParaRPr>
+                </a:p>
+              </p:txBody>
+            </p:sp>
+            <p:sp>
+              <p:nvSpPr>
+                <p:cNvPr id="62" name="Rectangle 61">
+                  <a:extLst>
+                    <a:ext uri="{FF2B5EF4-FFF2-40B4-BE49-F238E27FC236}">
+                      <a16:creationId xmlns:a16="http://schemas.microsoft.com/office/drawing/2014/main" id="{9A913417-7E07-4F95-9A41-BAEE35276B8C}"/>
+                    </a:ext>
+                  </a:extLst>
+                </p:cNvPr>
+                <p:cNvSpPr/>
+                <p:nvPr/>
+              </p:nvSpPr>
+              <p:spPr>
+                <a:xfrm>
+                  <a:off x="77494" y="1451264"/>
+                  <a:ext cx="2325695" cy="181365"/>
+                </a:xfrm>
+                <a:prstGeom prst="rect">
+                  <a:avLst/>
+                </a:prstGeom>
+                <a:solidFill>
+                  <a:schemeClr val="bg1"/>
+                </a:solidFill>
+                <a:ln>
+                  <a:solidFill>
+                    <a:schemeClr val="accent6"/>
+                  </a:solidFill>
+                </a:ln>
+              </p:spPr>
+              <p:style>
+                <a:lnRef idx="2">
+                  <a:schemeClr val="accent1">
+                    <a:shade val="50000"/>
+                  </a:schemeClr>
+                </a:lnRef>
+                <a:fillRef idx="1">
+                  <a:schemeClr val="accent1"/>
+                </a:fillRef>
+                <a:effectRef idx="0">
+                  <a:schemeClr val="accent1"/>
+                </a:effectRef>
+                <a:fontRef idx="minor">
+                  <a:schemeClr val="lt1"/>
+                </a:fontRef>
+              </p:style>
+              <p:txBody>
+                <a:bodyPr rtlCol="0" anchor="ctr"/>
+                <a:lstStyle/>
+                <a:p>
+                  <a:pPr algn="ctr"/>
+                  <a:r>
+                    <a:rPr lang="en-US" sz="1200" dirty="0">
+                      <a:solidFill>
+                        <a:schemeClr val="tx1"/>
+                      </a:solidFill>
+                      <a:latin typeface="Times New Roman" panose="02020603050405020304" pitchFamily="18" charset="0"/>
+                      <a:cs typeface="Times New Roman" panose="02020603050405020304" pitchFamily="18" charset="0"/>
+                    </a:rPr>
+                    <a:t>L298 Motor B: IN1</a:t>
+                  </a:r>
+                  <a:endParaRPr lang="en-SG" sz="1200" dirty="0">
+                    <a:solidFill>
+                      <a:schemeClr val="tx1"/>
+                    </a:solidFill>
+                    <a:latin typeface="Times New Roman" panose="02020603050405020304" pitchFamily="18" charset="0"/>
+                    <a:cs typeface="Times New Roman" panose="02020603050405020304" pitchFamily="18" charset="0"/>
+                  </a:endParaRPr>
+                </a:p>
+              </p:txBody>
+            </p:sp>
+          </p:grpSp>
+          <p:cxnSp>
+            <p:nvCxnSpPr>
+              <p:cNvPr id="60" name="Straight Arrow Connector 59">
+                <a:extLst>
+                  <a:ext uri="{FF2B5EF4-FFF2-40B4-BE49-F238E27FC236}">
+                    <a16:creationId xmlns:a16="http://schemas.microsoft.com/office/drawing/2014/main" id="{B53A5690-F5CE-4F91-AB03-FCC52E06FA65}"/>
+                  </a:ext>
+                </a:extLst>
+              </p:cNvPr>
+              <p:cNvCxnSpPr>
+                <a:cxnSpLocks/>
+              </p:cNvCxnSpPr>
+              <p:nvPr/>
+            </p:nvCxnSpPr>
+            <p:spPr>
+              <a:xfrm>
+                <a:off x="7803763" y="4615197"/>
+                <a:ext cx="494667" cy="0"/>
+              </a:xfrm>
+              <a:prstGeom prst="straightConnector1">
+                <a:avLst/>
+              </a:prstGeom>
+              <a:ln w="19050">
+                <a:solidFill>
+                  <a:schemeClr val="accent6"/>
+                </a:solidFill>
+                <a:tailEnd type="triangle"/>
+              </a:ln>
+            </p:spPr>
+            <p:style>
+              <a:lnRef idx="1">
+                <a:schemeClr val="accent1"/>
+              </a:lnRef>
+              <a:fillRef idx="0">
+                <a:schemeClr val="accent1"/>
+              </a:fillRef>
+              <a:effectRef idx="0">
+                <a:schemeClr val="accent1"/>
+              </a:effectRef>
+              <a:fontRef idx="minor">
+                <a:schemeClr val="tx1"/>
+              </a:fontRef>
+            </p:style>
+          </p:cxnSp>
+        </p:grpSp>
+        <p:cxnSp>
+          <p:nvCxnSpPr>
+            <p:cNvPr id="58" name="Straight Arrow Connector 57">
+              <a:extLst>
+                <a:ext uri="{FF2B5EF4-FFF2-40B4-BE49-F238E27FC236}">
+                  <a16:creationId xmlns:a16="http://schemas.microsoft.com/office/drawing/2014/main" id="{2E183A3B-964C-4573-9E7E-7FEAFAB6E492}"/>
+                </a:ext>
+              </a:extLst>
+            </p:cNvPr>
+            <p:cNvCxnSpPr>
+              <a:cxnSpLocks/>
+            </p:cNvCxnSpPr>
+            <p:nvPr/>
+          </p:nvCxnSpPr>
+          <p:spPr>
+            <a:xfrm>
+              <a:off x="9387955" y="4614448"/>
+              <a:ext cx="404114" cy="0"/>
+            </a:xfrm>
+            <a:prstGeom prst="straightConnector1">
+              <a:avLst/>
+            </a:prstGeom>
+            <a:ln w="19050">
+              <a:solidFill>
+                <a:schemeClr val="accent6"/>
+              </a:solidFill>
+              <a:tailEnd type="triangle"/>
+            </a:ln>
+          </p:spPr>
+          <p:style>
+            <a:lnRef idx="1">
+              <a:schemeClr val="accent1"/>
+            </a:lnRef>
+            <a:fillRef idx="0">
+              <a:schemeClr val="accent1"/>
+            </a:fillRef>
+            <a:effectRef idx="0">
+              <a:schemeClr val="accent1"/>
+            </a:effectRef>
+            <a:fontRef idx="minor">
+              <a:schemeClr val="tx1"/>
+            </a:fontRef>
+          </p:style>
+        </p:cxnSp>
+      </p:grpSp>
+      <p:grpSp>
+        <p:nvGrpSpPr>
+          <p:cNvPr id="63" name="Group 62">
+            <a:extLst>
+              <a:ext uri="{FF2B5EF4-FFF2-40B4-BE49-F238E27FC236}">
+                <a16:creationId xmlns:a16="http://schemas.microsoft.com/office/drawing/2014/main" id="{CBCD6B1D-4540-4F33-88A8-4C46092722C3}"/>
+              </a:ext>
+            </a:extLst>
+          </p:cNvPr>
+          <p:cNvGrpSpPr/>
+          <p:nvPr/>
+        </p:nvGrpSpPr>
+        <p:grpSpPr>
+          <a:xfrm>
+            <a:off x="7803763" y="5402615"/>
+            <a:ext cx="4310743" cy="181400"/>
+            <a:chOff x="7803763" y="4523748"/>
+            <a:chExt cx="4310743" cy="181400"/>
+          </a:xfrm>
+        </p:grpSpPr>
+        <p:grpSp>
+          <p:nvGrpSpPr>
+            <p:cNvPr id="64" name="Group 63">
+              <a:extLst>
+                <a:ext uri="{FF2B5EF4-FFF2-40B4-BE49-F238E27FC236}">
+                  <a16:creationId xmlns:a16="http://schemas.microsoft.com/office/drawing/2014/main" id="{66BE44DA-F3C0-4DFD-B298-E6C527B745A4}"/>
+                </a:ext>
+              </a:extLst>
+            </p:cNvPr>
+            <p:cNvGrpSpPr/>
+            <p:nvPr/>
+          </p:nvGrpSpPr>
+          <p:grpSpPr>
+            <a:xfrm>
+              <a:off x="7803763" y="4523748"/>
+              <a:ext cx="4310743" cy="181400"/>
+              <a:chOff x="7803763" y="4523748"/>
+              <a:chExt cx="4310743" cy="181400"/>
+            </a:xfrm>
+          </p:grpSpPr>
+          <p:grpSp>
+            <p:nvGrpSpPr>
+              <p:cNvPr id="66" name="Group 65">
+                <a:extLst>
+                  <a:ext uri="{FF2B5EF4-FFF2-40B4-BE49-F238E27FC236}">
+                    <a16:creationId xmlns:a16="http://schemas.microsoft.com/office/drawing/2014/main" id="{52DCE1F8-AFBF-43F9-8769-5C4278C5EB77}"/>
+                  </a:ext>
+                </a:extLst>
+              </p:cNvPr>
+              <p:cNvGrpSpPr/>
+              <p:nvPr/>
+            </p:nvGrpSpPr>
+            <p:grpSpPr>
+              <a:xfrm flipH="1">
+                <a:off x="8298296" y="4523748"/>
+                <a:ext cx="3816210" cy="181400"/>
+                <a:chOff x="77494" y="1451264"/>
+                <a:chExt cx="3821561" cy="183271"/>
+              </a:xfrm>
+            </p:grpSpPr>
+            <p:sp>
+              <p:nvSpPr>
+                <p:cNvPr id="68" name="Rectangle 67">
+                  <a:extLst>
+                    <a:ext uri="{FF2B5EF4-FFF2-40B4-BE49-F238E27FC236}">
+                      <a16:creationId xmlns:a16="http://schemas.microsoft.com/office/drawing/2014/main" id="{CA3273F4-2CD8-4084-80C8-0ECB54B3FB79}"/>
+                    </a:ext>
+                  </a:extLst>
+                </p:cNvPr>
+                <p:cNvSpPr/>
+                <p:nvPr/>
+              </p:nvSpPr>
+              <p:spPr>
+                <a:xfrm>
+                  <a:off x="2831015" y="1453170"/>
+                  <a:ext cx="1068040" cy="181365"/>
+                </a:xfrm>
+                <a:prstGeom prst="rect">
+                  <a:avLst/>
+                </a:prstGeom>
+                <a:solidFill>
+                  <a:schemeClr val="bg1"/>
+                </a:solidFill>
+                <a:ln>
+                  <a:solidFill>
+                    <a:schemeClr val="accent6"/>
+                  </a:solidFill>
+                </a:ln>
+              </p:spPr>
+              <p:style>
+                <a:lnRef idx="2">
+                  <a:schemeClr val="accent1">
+                    <a:shade val="50000"/>
+                  </a:schemeClr>
+                </a:lnRef>
+                <a:fillRef idx="1">
+                  <a:schemeClr val="accent1"/>
+                </a:fillRef>
+                <a:effectRef idx="0">
+                  <a:schemeClr val="accent1"/>
+                </a:effectRef>
+                <a:fontRef idx="minor">
+                  <a:schemeClr val="lt1"/>
+                </a:fontRef>
+              </p:style>
+              <p:txBody>
+                <a:bodyPr rtlCol="0" anchor="ctr"/>
+                <a:lstStyle/>
+                <a:p>
+                  <a:pPr algn="ctr"/>
+                  <a:r>
+                    <a:rPr lang="en-US" sz="1200" dirty="0">
+                      <a:solidFill>
+                        <a:schemeClr val="tx1"/>
+                      </a:solidFill>
+                      <a:latin typeface="Times New Roman" panose="02020603050405020304" pitchFamily="18" charset="0"/>
+                      <a:cs typeface="Times New Roman" panose="02020603050405020304" pitchFamily="18" charset="0"/>
+                    </a:rPr>
+                    <a:t>Digital Out</a:t>
+                  </a:r>
+                  <a:endParaRPr lang="en-SG" sz="1200" dirty="0">
+                    <a:solidFill>
+                      <a:schemeClr val="tx1"/>
+                    </a:solidFill>
+                    <a:latin typeface="Times New Roman" panose="02020603050405020304" pitchFamily="18" charset="0"/>
+                    <a:cs typeface="Times New Roman" panose="02020603050405020304" pitchFamily="18" charset="0"/>
+                  </a:endParaRPr>
+                </a:p>
+              </p:txBody>
+            </p:sp>
+            <p:sp>
+              <p:nvSpPr>
+                <p:cNvPr id="69" name="Rectangle 68">
+                  <a:extLst>
+                    <a:ext uri="{FF2B5EF4-FFF2-40B4-BE49-F238E27FC236}">
+                      <a16:creationId xmlns:a16="http://schemas.microsoft.com/office/drawing/2014/main" id="{FE0D6085-A4DB-44CB-970F-A342DEF0DDFC}"/>
+                    </a:ext>
+                  </a:extLst>
+                </p:cNvPr>
+                <p:cNvSpPr/>
+                <p:nvPr/>
+              </p:nvSpPr>
+              <p:spPr>
+                <a:xfrm>
+                  <a:off x="77494" y="1451264"/>
+                  <a:ext cx="2325695" cy="181365"/>
+                </a:xfrm>
+                <a:prstGeom prst="rect">
+                  <a:avLst/>
+                </a:prstGeom>
+                <a:solidFill>
+                  <a:schemeClr val="bg1"/>
+                </a:solidFill>
+                <a:ln>
+                  <a:solidFill>
+                    <a:schemeClr val="accent6"/>
+                  </a:solidFill>
+                </a:ln>
+              </p:spPr>
+              <p:style>
+                <a:lnRef idx="2">
+                  <a:schemeClr val="accent1">
+                    <a:shade val="50000"/>
+                  </a:schemeClr>
+                </a:lnRef>
+                <a:fillRef idx="1">
+                  <a:schemeClr val="accent1"/>
+                </a:fillRef>
+                <a:effectRef idx="0">
+                  <a:schemeClr val="accent1"/>
+                </a:effectRef>
+                <a:fontRef idx="minor">
+                  <a:schemeClr val="lt1"/>
+                </a:fontRef>
+              </p:style>
+              <p:txBody>
+                <a:bodyPr rtlCol="0" anchor="ctr"/>
+                <a:lstStyle/>
+                <a:p>
+                  <a:pPr algn="ctr"/>
+                  <a:r>
+                    <a:rPr lang="en-US" sz="1200" dirty="0">
+                      <a:solidFill>
+                        <a:schemeClr val="tx1"/>
+                      </a:solidFill>
+                      <a:latin typeface="Times New Roman" panose="02020603050405020304" pitchFamily="18" charset="0"/>
+                      <a:cs typeface="Times New Roman" panose="02020603050405020304" pitchFamily="18" charset="0"/>
+                    </a:rPr>
+                    <a:t>L298 Motor B: IN2</a:t>
+                  </a:r>
+                  <a:endParaRPr lang="en-SG" sz="1200" dirty="0">
+                    <a:solidFill>
+                      <a:schemeClr val="tx1"/>
+                    </a:solidFill>
+                    <a:latin typeface="Times New Roman" panose="02020603050405020304" pitchFamily="18" charset="0"/>
+                    <a:cs typeface="Times New Roman" panose="02020603050405020304" pitchFamily="18" charset="0"/>
+                  </a:endParaRPr>
+                </a:p>
+              </p:txBody>
+            </p:sp>
+          </p:grpSp>
+          <p:cxnSp>
+            <p:nvCxnSpPr>
+              <p:cNvPr id="67" name="Straight Arrow Connector 66">
+                <a:extLst>
+                  <a:ext uri="{FF2B5EF4-FFF2-40B4-BE49-F238E27FC236}">
+                    <a16:creationId xmlns:a16="http://schemas.microsoft.com/office/drawing/2014/main" id="{DAAC902B-BD58-400D-9E13-0E4ADC4A5246}"/>
+                  </a:ext>
+                </a:extLst>
+              </p:cNvPr>
+              <p:cNvCxnSpPr>
+                <a:cxnSpLocks/>
+              </p:cNvCxnSpPr>
+              <p:nvPr/>
+            </p:nvCxnSpPr>
+            <p:spPr>
+              <a:xfrm>
+                <a:off x="7803763" y="4615197"/>
+                <a:ext cx="494667" cy="0"/>
+              </a:xfrm>
+              <a:prstGeom prst="straightConnector1">
+                <a:avLst/>
+              </a:prstGeom>
+              <a:ln w="19050">
+                <a:solidFill>
+                  <a:schemeClr val="accent6"/>
+                </a:solidFill>
+                <a:tailEnd type="triangle"/>
+              </a:ln>
+            </p:spPr>
+            <p:style>
+              <a:lnRef idx="1">
+                <a:schemeClr val="accent1"/>
+              </a:lnRef>
+              <a:fillRef idx="0">
+                <a:schemeClr val="accent1"/>
+              </a:fillRef>
+              <a:effectRef idx="0">
+                <a:schemeClr val="accent1"/>
+              </a:effectRef>
+              <a:fontRef idx="minor">
+                <a:schemeClr val="tx1"/>
+              </a:fontRef>
+            </p:style>
+          </p:cxnSp>
+        </p:grpSp>
+        <p:cxnSp>
+          <p:nvCxnSpPr>
+            <p:cNvPr id="65" name="Straight Arrow Connector 64">
+              <a:extLst>
+                <a:ext uri="{FF2B5EF4-FFF2-40B4-BE49-F238E27FC236}">
+                  <a16:creationId xmlns:a16="http://schemas.microsoft.com/office/drawing/2014/main" id="{C04A1D00-E942-40B7-9518-D3EEEC3C6EF6}"/>
+                </a:ext>
+              </a:extLst>
+            </p:cNvPr>
+            <p:cNvCxnSpPr>
+              <a:cxnSpLocks/>
+            </p:cNvCxnSpPr>
+            <p:nvPr/>
+          </p:nvCxnSpPr>
+          <p:spPr>
+            <a:xfrm>
+              <a:off x="9387955" y="4614448"/>
+              <a:ext cx="404114" cy="0"/>
+            </a:xfrm>
+            <a:prstGeom prst="straightConnector1">
+              <a:avLst/>
+            </a:prstGeom>
+            <a:ln w="19050">
+              <a:solidFill>
+                <a:schemeClr val="accent6"/>
+              </a:solidFill>
+              <a:tailEnd type="triangle"/>
+            </a:ln>
+          </p:spPr>
+          <p:style>
+            <a:lnRef idx="1">
+              <a:schemeClr val="accent1"/>
+            </a:lnRef>
+            <a:fillRef idx="0">
+              <a:schemeClr val="accent1"/>
+            </a:fillRef>
+            <a:effectRef idx="0">
+              <a:schemeClr val="accent1"/>
+            </a:effectRef>
+            <a:fontRef idx="minor">
+              <a:schemeClr val="tx1"/>
+            </a:fontRef>
+          </p:style>
+        </p:cxnSp>
+      </p:grpSp>
+      <p:grpSp>
+        <p:nvGrpSpPr>
+          <p:cNvPr id="70" name="Group 69">
+            <a:extLst>
+              <a:ext uri="{FF2B5EF4-FFF2-40B4-BE49-F238E27FC236}">
+                <a16:creationId xmlns:a16="http://schemas.microsoft.com/office/drawing/2014/main" id="{C3B3FE95-9DF5-4BCC-A58E-5056DDB93B3D}"/>
+              </a:ext>
+            </a:extLst>
+          </p:cNvPr>
+          <p:cNvGrpSpPr/>
+          <p:nvPr/>
+        </p:nvGrpSpPr>
+        <p:grpSpPr>
+          <a:xfrm>
+            <a:off x="7803763" y="4214700"/>
+            <a:ext cx="4310743" cy="181400"/>
+            <a:chOff x="7803763" y="4523748"/>
+            <a:chExt cx="4310743" cy="181400"/>
+          </a:xfrm>
+        </p:grpSpPr>
+        <p:grpSp>
+          <p:nvGrpSpPr>
+            <p:cNvPr id="71" name="Group 70">
+              <a:extLst>
+                <a:ext uri="{FF2B5EF4-FFF2-40B4-BE49-F238E27FC236}">
+                  <a16:creationId xmlns:a16="http://schemas.microsoft.com/office/drawing/2014/main" id="{4FBA2952-7B08-4874-BE69-601D2981107D}"/>
+                </a:ext>
+              </a:extLst>
+            </p:cNvPr>
+            <p:cNvGrpSpPr/>
+            <p:nvPr/>
+          </p:nvGrpSpPr>
+          <p:grpSpPr>
+            <a:xfrm>
+              <a:off x="7803763" y="4523748"/>
+              <a:ext cx="4310743" cy="181400"/>
+              <a:chOff x="7803763" y="4523748"/>
+              <a:chExt cx="4310743" cy="181400"/>
+            </a:xfrm>
+          </p:grpSpPr>
+          <p:grpSp>
+            <p:nvGrpSpPr>
+              <p:cNvPr id="73" name="Group 72">
+                <a:extLst>
+                  <a:ext uri="{FF2B5EF4-FFF2-40B4-BE49-F238E27FC236}">
+                    <a16:creationId xmlns:a16="http://schemas.microsoft.com/office/drawing/2014/main" id="{4431BEAA-2F13-4099-9AF9-363059557022}"/>
+                  </a:ext>
+                </a:extLst>
+              </p:cNvPr>
+              <p:cNvGrpSpPr/>
+              <p:nvPr/>
+            </p:nvGrpSpPr>
+            <p:grpSpPr>
+              <a:xfrm flipH="1">
+                <a:off x="8298296" y="4523748"/>
+                <a:ext cx="3816210" cy="181400"/>
+                <a:chOff x="77494" y="1451264"/>
+                <a:chExt cx="3821561" cy="183271"/>
+              </a:xfrm>
+            </p:grpSpPr>
+            <p:sp>
+              <p:nvSpPr>
+                <p:cNvPr id="75" name="Rectangle 74">
+                  <a:extLst>
+                    <a:ext uri="{FF2B5EF4-FFF2-40B4-BE49-F238E27FC236}">
+                      <a16:creationId xmlns:a16="http://schemas.microsoft.com/office/drawing/2014/main" id="{FC4F8D27-8F7E-426E-844C-52141C59BDC7}"/>
+                    </a:ext>
+                  </a:extLst>
+                </p:cNvPr>
+                <p:cNvSpPr/>
+                <p:nvPr/>
+              </p:nvSpPr>
+              <p:spPr>
+                <a:xfrm>
+                  <a:off x="2831015" y="1453170"/>
+                  <a:ext cx="1068040" cy="181365"/>
+                </a:xfrm>
+                <a:prstGeom prst="rect">
+                  <a:avLst/>
+                </a:prstGeom>
+                <a:solidFill>
+                  <a:schemeClr val="bg1"/>
+                </a:solidFill>
+                <a:ln>
+                  <a:solidFill>
+                    <a:schemeClr val="accent6"/>
+                  </a:solidFill>
+                </a:ln>
+              </p:spPr>
+              <p:style>
+                <a:lnRef idx="2">
+                  <a:schemeClr val="accent1">
+                    <a:shade val="50000"/>
+                  </a:schemeClr>
+                </a:lnRef>
+                <a:fillRef idx="1">
+                  <a:schemeClr val="accent1"/>
+                </a:fillRef>
+                <a:effectRef idx="0">
+                  <a:schemeClr val="accent1"/>
+                </a:effectRef>
+                <a:fontRef idx="minor">
+                  <a:schemeClr val="lt1"/>
+                </a:fontRef>
+              </p:style>
+              <p:txBody>
+                <a:bodyPr rtlCol="0" anchor="ctr"/>
+                <a:lstStyle/>
+                <a:p>
+                  <a:pPr algn="ctr"/>
+                  <a:r>
+                    <a:rPr lang="en-US" sz="1200" dirty="0">
+                      <a:solidFill>
+                        <a:schemeClr val="tx1"/>
+                      </a:solidFill>
+                      <a:latin typeface="Times New Roman" panose="02020603050405020304" pitchFamily="18" charset="0"/>
+                      <a:cs typeface="Times New Roman" panose="02020603050405020304" pitchFamily="18" charset="0"/>
+                    </a:rPr>
+                    <a:t>PWM Out</a:t>
+                  </a:r>
+                  <a:endParaRPr lang="en-SG" sz="1200" dirty="0">
+                    <a:solidFill>
+                      <a:schemeClr val="tx1"/>
+                    </a:solidFill>
+                    <a:latin typeface="Times New Roman" panose="02020603050405020304" pitchFamily="18" charset="0"/>
+                    <a:cs typeface="Times New Roman" panose="02020603050405020304" pitchFamily="18" charset="0"/>
+                  </a:endParaRPr>
+                </a:p>
+              </p:txBody>
+            </p:sp>
+            <p:sp>
+              <p:nvSpPr>
+                <p:cNvPr id="76" name="Rectangle 75">
+                  <a:extLst>
+                    <a:ext uri="{FF2B5EF4-FFF2-40B4-BE49-F238E27FC236}">
+                      <a16:creationId xmlns:a16="http://schemas.microsoft.com/office/drawing/2014/main" id="{A8402F40-04C1-44E2-A593-98027840E56F}"/>
+                    </a:ext>
+                  </a:extLst>
+                </p:cNvPr>
+                <p:cNvSpPr/>
+                <p:nvPr/>
+              </p:nvSpPr>
+              <p:spPr>
+                <a:xfrm>
+                  <a:off x="77494" y="1451264"/>
+                  <a:ext cx="2325695" cy="181365"/>
+                </a:xfrm>
+                <a:prstGeom prst="rect">
+                  <a:avLst/>
+                </a:prstGeom>
+                <a:solidFill>
+                  <a:schemeClr val="bg1"/>
+                </a:solidFill>
+                <a:ln>
+                  <a:solidFill>
+                    <a:schemeClr val="accent6"/>
+                  </a:solidFill>
+                </a:ln>
+              </p:spPr>
+              <p:style>
+                <a:lnRef idx="2">
+                  <a:schemeClr val="accent1">
+                    <a:shade val="50000"/>
+                  </a:schemeClr>
+                </a:lnRef>
+                <a:fillRef idx="1">
+                  <a:schemeClr val="accent1"/>
+                </a:fillRef>
+                <a:effectRef idx="0">
+                  <a:schemeClr val="accent1"/>
+                </a:effectRef>
+                <a:fontRef idx="minor">
+                  <a:schemeClr val="lt1"/>
+                </a:fontRef>
+              </p:style>
+              <p:txBody>
+                <a:bodyPr rtlCol="0" anchor="ctr"/>
+                <a:lstStyle/>
+                <a:p>
+                  <a:pPr algn="ctr"/>
+                  <a:r>
+                    <a:rPr lang="en-US" sz="1200" dirty="0">
+                      <a:solidFill>
+                        <a:schemeClr val="tx1"/>
+                      </a:solidFill>
+                      <a:latin typeface="Times New Roman" panose="02020603050405020304" pitchFamily="18" charset="0"/>
+                      <a:cs typeface="Times New Roman" panose="02020603050405020304" pitchFamily="18" charset="0"/>
+                    </a:rPr>
+                    <a:t>L298  Motor B: ENB</a:t>
+                  </a:r>
+                  <a:endParaRPr lang="en-SG" sz="1200" dirty="0">
+                    <a:solidFill>
+                      <a:schemeClr val="tx1"/>
+                    </a:solidFill>
+                    <a:latin typeface="Times New Roman" panose="02020603050405020304" pitchFamily="18" charset="0"/>
+                    <a:cs typeface="Times New Roman" panose="02020603050405020304" pitchFamily="18" charset="0"/>
+                  </a:endParaRPr>
+                </a:p>
+              </p:txBody>
+            </p:sp>
+          </p:grpSp>
+          <p:cxnSp>
+            <p:nvCxnSpPr>
+              <p:cNvPr id="74" name="Straight Arrow Connector 73">
+                <a:extLst>
+                  <a:ext uri="{FF2B5EF4-FFF2-40B4-BE49-F238E27FC236}">
+                    <a16:creationId xmlns:a16="http://schemas.microsoft.com/office/drawing/2014/main" id="{695041D0-5823-4CC3-887E-402B77749AF5}"/>
+                  </a:ext>
+                </a:extLst>
+              </p:cNvPr>
+              <p:cNvCxnSpPr>
+                <a:cxnSpLocks/>
+              </p:cNvCxnSpPr>
+              <p:nvPr/>
+            </p:nvCxnSpPr>
+            <p:spPr>
+              <a:xfrm>
+                <a:off x="7803763" y="4615197"/>
+                <a:ext cx="494667" cy="0"/>
+              </a:xfrm>
+              <a:prstGeom prst="straightConnector1">
+                <a:avLst/>
+              </a:prstGeom>
+              <a:ln w="19050">
+                <a:solidFill>
+                  <a:schemeClr val="accent6"/>
+                </a:solidFill>
+                <a:tailEnd type="triangle"/>
+              </a:ln>
+            </p:spPr>
+            <p:style>
+              <a:lnRef idx="1">
+                <a:schemeClr val="accent1"/>
+              </a:lnRef>
+              <a:fillRef idx="0">
+                <a:schemeClr val="accent1"/>
+              </a:fillRef>
+              <a:effectRef idx="0">
+                <a:schemeClr val="accent1"/>
+              </a:effectRef>
+              <a:fontRef idx="minor">
+                <a:schemeClr val="tx1"/>
+              </a:fontRef>
+            </p:style>
+          </p:cxnSp>
+        </p:grpSp>
+        <p:cxnSp>
+          <p:nvCxnSpPr>
+            <p:cNvPr id="72" name="Straight Arrow Connector 71">
+              <a:extLst>
+                <a:ext uri="{FF2B5EF4-FFF2-40B4-BE49-F238E27FC236}">
+                  <a16:creationId xmlns:a16="http://schemas.microsoft.com/office/drawing/2014/main" id="{A00BFD36-E3B7-4841-BA46-E148F326FD87}"/>
+                </a:ext>
+              </a:extLst>
+            </p:cNvPr>
+            <p:cNvCxnSpPr>
+              <a:cxnSpLocks/>
+            </p:cNvCxnSpPr>
+            <p:nvPr/>
+          </p:nvCxnSpPr>
+          <p:spPr>
+            <a:xfrm>
+              <a:off x="9387955" y="4614448"/>
+              <a:ext cx="404114" cy="0"/>
+            </a:xfrm>
+            <a:prstGeom prst="straightConnector1">
+              <a:avLst/>
+            </a:prstGeom>
+            <a:ln w="19050">
+              <a:solidFill>
+                <a:schemeClr val="accent6"/>
+              </a:solidFill>
+              <a:tailEnd type="triangle"/>
+            </a:ln>
+          </p:spPr>
+          <p:style>
+            <a:lnRef idx="1">
+              <a:schemeClr val="accent1"/>
+            </a:lnRef>
+            <a:fillRef idx="0">
+              <a:schemeClr val="accent1"/>
+            </a:fillRef>
+            <a:effectRef idx="0">
+              <a:schemeClr val="accent1"/>
+            </a:effectRef>
+            <a:fontRef idx="minor">
+              <a:schemeClr val="tx1"/>
+            </a:fontRef>
+          </p:style>
+        </p:cxnSp>
+      </p:grpSp>
+      <p:grpSp>
+        <p:nvGrpSpPr>
+          <p:cNvPr id="77" name="Group 76">
+            <a:extLst>
+              <a:ext uri="{FF2B5EF4-FFF2-40B4-BE49-F238E27FC236}">
+                <a16:creationId xmlns:a16="http://schemas.microsoft.com/office/drawing/2014/main" id="{2415F5FA-0AA9-4B30-93D8-502AE1E8B79D}"/>
+              </a:ext>
+            </a:extLst>
+          </p:cNvPr>
+          <p:cNvGrpSpPr/>
+          <p:nvPr/>
+        </p:nvGrpSpPr>
+        <p:grpSpPr>
+          <a:xfrm>
+            <a:off x="7803763" y="3929576"/>
+            <a:ext cx="4310743" cy="181400"/>
+            <a:chOff x="7803763" y="4523748"/>
+            <a:chExt cx="4310743" cy="181400"/>
+          </a:xfrm>
+        </p:grpSpPr>
+        <p:grpSp>
+          <p:nvGrpSpPr>
+            <p:cNvPr id="78" name="Group 77">
+              <a:extLst>
+                <a:ext uri="{FF2B5EF4-FFF2-40B4-BE49-F238E27FC236}">
+                  <a16:creationId xmlns:a16="http://schemas.microsoft.com/office/drawing/2014/main" id="{9F145ADB-CC2C-40F6-A8E9-E4F753CBC29D}"/>
+                </a:ext>
+              </a:extLst>
+            </p:cNvPr>
+            <p:cNvGrpSpPr/>
+            <p:nvPr/>
+          </p:nvGrpSpPr>
+          <p:grpSpPr>
+            <a:xfrm>
+              <a:off x="7803763" y="4523748"/>
+              <a:ext cx="4310743" cy="181400"/>
+              <a:chOff x="7803763" y="4523748"/>
+              <a:chExt cx="4310743" cy="181400"/>
+            </a:xfrm>
+          </p:grpSpPr>
+          <p:grpSp>
+            <p:nvGrpSpPr>
+              <p:cNvPr id="80" name="Group 79">
+                <a:extLst>
+                  <a:ext uri="{FF2B5EF4-FFF2-40B4-BE49-F238E27FC236}">
+                    <a16:creationId xmlns:a16="http://schemas.microsoft.com/office/drawing/2014/main" id="{E75C5C3D-A969-48EB-B0B6-F0E8B1717DDA}"/>
+                  </a:ext>
+                </a:extLst>
+              </p:cNvPr>
+              <p:cNvGrpSpPr/>
+              <p:nvPr/>
+            </p:nvGrpSpPr>
+            <p:grpSpPr>
+              <a:xfrm flipH="1">
+                <a:off x="8298296" y="4523748"/>
+                <a:ext cx="3816210" cy="181400"/>
+                <a:chOff x="77494" y="1451264"/>
+                <a:chExt cx="3821561" cy="183271"/>
+              </a:xfrm>
+            </p:grpSpPr>
+            <p:sp>
+              <p:nvSpPr>
+                <p:cNvPr id="82" name="Rectangle 81">
+                  <a:extLst>
+                    <a:ext uri="{FF2B5EF4-FFF2-40B4-BE49-F238E27FC236}">
+                      <a16:creationId xmlns:a16="http://schemas.microsoft.com/office/drawing/2014/main" id="{928621BE-EB82-45A7-9C60-6DE0FBD41E48}"/>
+                    </a:ext>
+                  </a:extLst>
+                </p:cNvPr>
+                <p:cNvSpPr/>
+                <p:nvPr/>
+              </p:nvSpPr>
+              <p:spPr>
+                <a:xfrm>
+                  <a:off x="2831015" y="1453170"/>
+                  <a:ext cx="1068040" cy="181365"/>
+                </a:xfrm>
+                <a:prstGeom prst="rect">
+                  <a:avLst/>
+                </a:prstGeom>
+                <a:solidFill>
+                  <a:schemeClr val="bg1"/>
+                </a:solidFill>
+                <a:ln>
+                  <a:solidFill>
+                    <a:schemeClr val="accent6"/>
+                  </a:solidFill>
+                </a:ln>
+              </p:spPr>
+              <p:style>
+                <a:lnRef idx="2">
+                  <a:schemeClr val="accent1">
+                    <a:shade val="50000"/>
+                  </a:schemeClr>
+                </a:lnRef>
+                <a:fillRef idx="1">
+                  <a:schemeClr val="accent1"/>
+                </a:fillRef>
+                <a:effectRef idx="0">
+                  <a:schemeClr val="accent1"/>
+                </a:effectRef>
+                <a:fontRef idx="minor">
+                  <a:schemeClr val="lt1"/>
+                </a:fontRef>
+              </p:style>
+              <p:txBody>
+                <a:bodyPr rtlCol="0" anchor="ctr"/>
+                <a:lstStyle/>
+                <a:p>
+                  <a:pPr algn="ctr"/>
+                  <a:r>
+                    <a:rPr lang="en-US" sz="1200" dirty="0">
+                      <a:solidFill>
+                        <a:schemeClr val="tx1"/>
+                      </a:solidFill>
+                      <a:latin typeface="Times New Roman" panose="02020603050405020304" pitchFamily="18" charset="0"/>
+                      <a:cs typeface="Times New Roman" panose="02020603050405020304" pitchFamily="18" charset="0"/>
+                    </a:rPr>
+                    <a:t>PWM Out</a:t>
+                  </a:r>
+                  <a:endParaRPr lang="en-SG" sz="1200" dirty="0">
+                    <a:solidFill>
+                      <a:schemeClr val="tx1"/>
+                    </a:solidFill>
+                    <a:latin typeface="Times New Roman" panose="02020603050405020304" pitchFamily="18" charset="0"/>
+                    <a:cs typeface="Times New Roman" panose="02020603050405020304" pitchFamily="18" charset="0"/>
+                  </a:endParaRPr>
+                </a:p>
+              </p:txBody>
+            </p:sp>
+            <p:sp>
+              <p:nvSpPr>
+                <p:cNvPr id="83" name="Rectangle 82">
+                  <a:extLst>
+                    <a:ext uri="{FF2B5EF4-FFF2-40B4-BE49-F238E27FC236}">
+                      <a16:creationId xmlns:a16="http://schemas.microsoft.com/office/drawing/2014/main" id="{7B78872B-E3BE-4688-BDA9-705B9E04B9F6}"/>
+                    </a:ext>
+                  </a:extLst>
+                </p:cNvPr>
+                <p:cNvSpPr/>
+                <p:nvPr/>
+              </p:nvSpPr>
+              <p:spPr>
+                <a:xfrm>
+                  <a:off x="77494" y="1451264"/>
+                  <a:ext cx="2325695" cy="181365"/>
+                </a:xfrm>
+                <a:prstGeom prst="rect">
+                  <a:avLst/>
+                </a:prstGeom>
+                <a:solidFill>
+                  <a:schemeClr val="bg1"/>
+                </a:solidFill>
+                <a:ln>
+                  <a:solidFill>
+                    <a:schemeClr val="accent6"/>
+                  </a:solidFill>
+                </a:ln>
+              </p:spPr>
+              <p:style>
+                <a:lnRef idx="2">
+                  <a:schemeClr val="accent1">
+                    <a:shade val="50000"/>
+                  </a:schemeClr>
+                </a:lnRef>
+                <a:fillRef idx="1">
+                  <a:schemeClr val="accent1"/>
+                </a:fillRef>
+                <a:effectRef idx="0">
+                  <a:schemeClr val="accent1"/>
+                </a:effectRef>
+                <a:fontRef idx="minor">
+                  <a:schemeClr val="lt1"/>
+                </a:fontRef>
+              </p:style>
+              <p:txBody>
+                <a:bodyPr rtlCol="0" anchor="ctr"/>
+                <a:lstStyle/>
+                <a:p>
+                  <a:pPr algn="ctr"/>
+                  <a:r>
+                    <a:rPr lang="en-US" sz="1200" dirty="0">
+                      <a:solidFill>
+                        <a:schemeClr val="tx1"/>
+                      </a:solidFill>
+                      <a:latin typeface="Times New Roman" panose="02020603050405020304" pitchFamily="18" charset="0"/>
+                      <a:cs typeface="Times New Roman" panose="02020603050405020304" pitchFamily="18" charset="0"/>
+                    </a:rPr>
+                    <a:t>L298 Motor A: ENA</a:t>
+                  </a:r>
+                  <a:endParaRPr lang="en-SG" sz="1200" dirty="0">
+                    <a:solidFill>
+                      <a:schemeClr val="tx1"/>
+                    </a:solidFill>
+                    <a:latin typeface="Times New Roman" panose="02020603050405020304" pitchFamily="18" charset="0"/>
+                    <a:cs typeface="Times New Roman" panose="02020603050405020304" pitchFamily="18" charset="0"/>
+                  </a:endParaRPr>
+                </a:p>
+              </p:txBody>
+            </p:sp>
+          </p:grpSp>
+          <p:cxnSp>
+            <p:nvCxnSpPr>
+              <p:cNvPr id="81" name="Straight Arrow Connector 80">
+                <a:extLst>
+                  <a:ext uri="{FF2B5EF4-FFF2-40B4-BE49-F238E27FC236}">
+                    <a16:creationId xmlns:a16="http://schemas.microsoft.com/office/drawing/2014/main" id="{56078C39-7522-450A-9999-CADDE65A1421}"/>
+                  </a:ext>
+                </a:extLst>
+              </p:cNvPr>
+              <p:cNvCxnSpPr>
+                <a:cxnSpLocks/>
+              </p:cNvCxnSpPr>
+              <p:nvPr/>
+            </p:nvCxnSpPr>
+            <p:spPr>
+              <a:xfrm>
+                <a:off x="7803763" y="4615197"/>
+                <a:ext cx="494667" cy="0"/>
+              </a:xfrm>
+              <a:prstGeom prst="straightConnector1">
+                <a:avLst/>
+              </a:prstGeom>
+              <a:ln w="19050">
+                <a:solidFill>
+                  <a:schemeClr val="accent6"/>
+                </a:solidFill>
+                <a:tailEnd type="triangle"/>
+              </a:ln>
+            </p:spPr>
+            <p:style>
+              <a:lnRef idx="1">
+                <a:schemeClr val="accent1"/>
+              </a:lnRef>
+              <a:fillRef idx="0">
+                <a:schemeClr val="accent1"/>
+              </a:fillRef>
+              <a:effectRef idx="0">
+                <a:schemeClr val="accent1"/>
+              </a:effectRef>
+              <a:fontRef idx="minor">
+                <a:schemeClr val="tx1"/>
+              </a:fontRef>
+            </p:style>
+          </p:cxnSp>
+        </p:grpSp>
+        <p:cxnSp>
+          <p:nvCxnSpPr>
+            <p:cNvPr id="79" name="Straight Arrow Connector 78">
+              <a:extLst>
+                <a:ext uri="{FF2B5EF4-FFF2-40B4-BE49-F238E27FC236}">
+                  <a16:creationId xmlns:a16="http://schemas.microsoft.com/office/drawing/2014/main" id="{448E742D-7C3D-4E5D-8B61-5815C3F6B970}"/>
+                </a:ext>
+              </a:extLst>
+            </p:cNvPr>
+            <p:cNvCxnSpPr>
+              <a:cxnSpLocks/>
+            </p:cNvCxnSpPr>
+            <p:nvPr/>
+          </p:nvCxnSpPr>
+          <p:spPr>
+            <a:xfrm>
+              <a:off x="9387955" y="4614448"/>
+              <a:ext cx="404114" cy="0"/>
+            </a:xfrm>
+            <a:prstGeom prst="straightConnector1">
+              <a:avLst/>
+            </a:prstGeom>
+            <a:ln w="19050">
+              <a:solidFill>
+                <a:schemeClr val="accent6"/>
+              </a:solidFill>
+              <a:tailEnd type="triangle"/>
+            </a:ln>
+          </p:spPr>
+          <p:style>
+            <a:lnRef idx="1">
+              <a:schemeClr val="accent1"/>
+            </a:lnRef>
+            <a:fillRef idx="0">
+              <a:schemeClr val="accent1"/>
+            </a:fillRef>
+            <a:effectRef idx="0">
+              <a:schemeClr val="accent1"/>
+            </a:effectRef>
+            <a:fontRef idx="minor">
+              <a:schemeClr val="tx1"/>
+            </a:fontRef>
+          </p:style>
+        </p:cxnSp>
+      </p:grpSp>
+      <p:grpSp>
+        <p:nvGrpSpPr>
+          <p:cNvPr id="84" name="Group 83">
+            <a:extLst>
+              <a:ext uri="{FF2B5EF4-FFF2-40B4-BE49-F238E27FC236}">
+                <a16:creationId xmlns:a16="http://schemas.microsoft.com/office/drawing/2014/main" id="{59CF744D-20C5-4CBC-9A0D-13EB2883B8FC}"/>
+              </a:ext>
+            </a:extLst>
+          </p:cNvPr>
+          <p:cNvGrpSpPr/>
+          <p:nvPr/>
+        </p:nvGrpSpPr>
+        <p:grpSpPr>
+          <a:xfrm>
+            <a:off x="7803763" y="3271886"/>
+            <a:ext cx="4310743" cy="181400"/>
+            <a:chOff x="7803763" y="4523748"/>
+            <a:chExt cx="4310743" cy="181400"/>
+          </a:xfrm>
+        </p:grpSpPr>
+        <p:grpSp>
+          <p:nvGrpSpPr>
+            <p:cNvPr id="85" name="Group 84">
+              <a:extLst>
+                <a:ext uri="{FF2B5EF4-FFF2-40B4-BE49-F238E27FC236}">
+                  <a16:creationId xmlns:a16="http://schemas.microsoft.com/office/drawing/2014/main" id="{B6FAC98D-8792-47E1-898C-0FE41E587577}"/>
+                </a:ext>
+              </a:extLst>
+            </p:cNvPr>
+            <p:cNvGrpSpPr/>
+            <p:nvPr/>
+          </p:nvGrpSpPr>
+          <p:grpSpPr>
+            <a:xfrm>
+              <a:off x="7803763" y="4523748"/>
+              <a:ext cx="4310743" cy="181400"/>
+              <a:chOff x="7803763" y="4523748"/>
+              <a:chExt cx="4310743" cy="181400"/>
+            </a:xfrm>
+          </p:grpSpPr>
+          <p:grpSp>
+            <p:nvGrpSpPr>
+              <p:cNvPr id="87" name="Group 86">
+                <a:extLst>
+                  <a:ext uri="{FF2B5EF4-FFF2-40B4-BE49-F238E27FC236}">
+                    <a16:creationId xmlns:a16="http://schemas.microsoft.com/office/drawing/2014/main" id="{36447E9E-8EAE-46DA-8027-9DA0EE7826D4}"/>
+                  </a:ext>
+                </a:extLst>
+              </p:cNvPr>
+              <p:cNvGrpSpPr/>
+              <p:nvPr/>
+            </p:nvGrpSpPr>
+            <p:grpSpPr>
+              <a:xfrm flipH="1">
+                <a:off x="8298296" y="4523748"/>
+                <a:ext cx="3816210" cy="181400"/>
+                <a:chOff x="77494" y="1451264"/>
+                <a:chExt cx="3821561" cy="183271"/>
+              </a:xfrm>
+            </p:grpSpPr>
+            <p:sp>
+              <p:nvSpPr>
+                <p:cNvPr id="89" name="Rectangle 88">
+                  <a:extLst>
+                    <a:ext uri="{FF2B5EF4-FFF2-40B4-BE49-F238E27FC236}">
+                      <a16:creationId xmlns:a16="http://schemas.microsoft.com/office/drawing/2014/main" id="{3F4372E8-7D00-4FD0-939E-B8E280F4B95E}"/>
+                    </a:ext>
+                  </a:extLst>
+                </p:cNvPr>
+                <p:cNvSpPr/>
+                <p:nvPr/>
+              </p:nvSpPr>
+              <p:spPr>
+                <a:xfrm>
+                  <a:off x="2831015" y="1453170"/>
+                  <a:ext cx="1068040" cy="181365"/>
+                </a:xfrm>
+                <a:prstGeom prst="rect">
+                  <a:avLst/>
+                </a:prstGeom>
+                <a:solidFill>
+                  <a:schemeClr val="bg1"/>
+                </a:solidFill>
+                <a:ln>
+                  <a:solidFill>
+                    <a:schemeClr val="accent6"/>
+                  </a:solidFill>
+                </a:ln>
+              </p:spPr>
+              <p:style>
+                <a:lnRef idx="2">
+                  <a:schemeClr val="accent1">
+                    <a:shade val="50000"/>
+                  </a:schemeClr>
+                </a:lnRef>
+                <a:fillRef idx="1">
+                  <a:schemeClr val="accent1"/>
+                </a:fillRef>
+                <a:effectRef idx="0">
+                  <a:schemeClr val="accent1"/>
+                </a:effectRef>
+                <a:fontRef idx="minor">
+                  <a:schemeClr val="lt1"/>
+                </a:fontRef>
+              </p:style>
+              <p:txBody>
+                <a:bodyPr rtlCol="0" anchor="ctr"/>
+                <a:lstStyle/>
+                <a:p>
+                  <a:pPr algn="ctr"/>
+                  <a:r>
+                    <a:rPr lang="en-US" sz="1200" dirty="0">
+                      <a:solidFill>
+                        <a:schemeClr val="tx1"/>
+                      </a:solidFill>
+                      <a:latin typeface="Times New Roman" panose="02020603050405020304" pitchFamily="18" charset="0"/>
+                      <a:cs typeface="Times New Roman" panose="02020603050405020304" pitchFamily="18" charset="0"/>
+                    </a:rPr>
+                    <a:t>PWM Out</a:t>
+                  </a:r>
+                  <a:endParaRPr lang="en-SG" sz="1200" dirty="0">
+                    <a:solidFill>
+                      <a:schemeClr val="tx1"/>
+                    </a:solidFill>
+                    <a:latin typeface="Times New Roman" panose="02020603050405020304" pitchFamily="18" charset="0"/>
+                    <a:cs typeface="Times New Roman" panose="02020603050405020304" pitchFamily="18" charset="0"/>
+                  </a:endParaRPr>
+                </a:p>
+              </p:txBody>
+            </p:sp>
+            <p:sp>
+              <p:nvSpPr>
+                <p:cNvPr id="90" name="Rectangle 89">
+                  <a:extLst>
+                    <a:ext uri="{FF2B5EF4-FFF2-40B4-BE49-F238E27FC236}">
+                      <a16:creationId xmlns:a16="http://schemas.microsoft.com/office/drawing/2014/main" id="{A3E8F4BF-AF85-40BF-9518-323C3DE9EE34}"/>
+                    </a:ext>
+                  </a:extLst>
+                </p:cNvPr>
+                <p:cNvSpPr/>
+                <p:nvPr/>
+              </p:nvSpPr>
+              <p:spPr>
+                <a:xfrm>
+                  <a:off x="77494" y="1451264"/>
+                  <a:ext cx="2325695" cy="181365"/>
+                </a:xfrm>
+                <a:prstGeom prst="rect">
+                  <a:avLst/>
+                </a:prstGeom>
+                <a:solidFill>
+                  <a:schemeClr val="bg1"/>
+                </a:solidFill>
+                <a:ln>
+                  <a:solidFill>
+                    <a:schemeClr val="accent6"/>
+                  </a:solidFill>
+                </a:ln>
+              </p:spPr>
+              <p:style>
+                <a:lnRef idx="2">
+                  <a:schemeClr val="accent1">
+                    <a:shade val="50000"/>
+                  </a:schemeClr>
+                </a:lnRef>
+                <a:fillRef idx="1">
+                  <a:schemeClr val="accent1"/>
+                </a:fillRef>
+                <a:effectRef idx="0">
+                  <a:schemeClr val="accent1"/>
+                </a:effectRef>
+                <a:fontRef idx="minor">
+                  <a:schemeClr val="lt1"/>
+                </a:fontRef>
+              </p:style>
+              <p:txBody>
+                <a:bodyPr rtlCol="0" anchor="ctr"/>
+                <a:lstStyle/>
+                <a:p>
+                  <a:pPr algn="ctr"/>
+                  <a:r>
+                    <a:rPr lang="en-US" sz="1200" dirty="0">
+                      <a:solidFill>
+                        <a:schemeClr val="tx1"/>
+                      </a:solidFill>
+                      <a:latin typeface="Times New Roman" panose="02020603050405020304" pitchFamily="18" charset="0"/>
+                      <a:cs typeface="Times New Roman" panose="02020603050405020304" pitchFamily="18" charset="0"/>
+                    </a:rPr>
+                    <a:t>Camera  AZ Servo Signal</a:t>
+                  </a:r>
+                  <a:endParaRPr lang="en-SG" sz="1200" dirty="0">
+                    <a:solidFill>
+                      <a:schemeClr val="tx1"/>
+                    </a:solidFill>
+                    <a:latin typeface="Times New Roman" panose="02020603050405020304" pitchFamily="18" charset="0"/>
+                    <a:cs typeface="Times New Roman" panose="02020603050405020304" pitchFamily="18" charset="0"/>
+                  </a:endParaRPr>
+                </a:p>
+              </p:txBody>
+            </p:sp>
+          </p:grpSp>
+          <p:cxnSp>
+            <p:nvCxnSpPr>
+              <p:cNvPr id="88" name="Straight Arrow Connector 87">
+                <a:extLst>
+                  <a:ext uri="{FF2B5EF4-FFF2-40B4-BE49-F238E27FC236}">
+                    <a16:creationId xmlns:a16="http://schemas.microsoft.com/office/drawing/2014/main" id="{2C9CD9C9-A290-4F5F-9489-9A82545E2D04}"/>
+                  </a:ext>
+                </a:extLst>
+              </p:cNvPr>
+              <p:cNvCxnSpPr>
+                <a:cxnSpLocks/>
+              </p:cNvCxnSpPr>
+              <p:nvPr/>
+            </p:nvCxnSpPr>
+            <p:spPr>
+              <a:xfrm>
+                <a:off x="7803763" y="4615197"/>
+                <a:ext cx="494667" cy="0"/>
+              </a:xfrm>
+              <a:prstGeom prst="straightConnector1">
+                <a:avLst/>
+              </a:prstGeom>
+              <a:ln w="19050">
+                <a:solidFill>
+                  <a:schemeClr val="accent6"/>
+                </a:solidFill>
+                <a:tailEnd type="triangle"/>
+              </a:ln>
+            </p:spPr>
+            <p:style>
+              <a:lnRef idx="1">
+                <a:schemeClr val="accent1"/>
+              </a:lnRef>
+              <a:fillRef idx="0">
+                <a:schemeClr val="accent1"/>
+              </a:fillRef>
+              <a:effectRef idx="0">
+                <a:schemeClr val="accent1"/>
+              </a:effectRef>
+              <a:fontRef idx="minor">
+                <a:schemeClr val="tx1"/>
+              </a:fontRef>
+            </p:style>
+          </p:cxnSp>
+        </p:grpSp>
+        <p:cxnSp>
+          <p:nvCxnSpPr>
+            <p:cNvPr id="86" name="Straight Arrow Connector 85">
+              <a:extLst>
+                <a:ext uri="{FF2B5EF4-FFF2-40B4-BE49-F238E27FC236}">
+                  <a16:creationId xmlns:a16="http://schemas.microsoft.com/office/drawing/2014/main" id="{D4964F30-79A2-4FE4-B54D-D5E6F0F1CA7B}"/>
+                </a:ext>
+              </a:extLst>
+            </p:cNvPr>
+            <p:cNvCxnSpPr>
+              <a:cxnSpLocks/>
+            </p:cNvCxnSpPr>
+            <p:nvPr/>
+          </p:nvCxnSpPr>
+          <p:spPr>
+            <a:xfrm>
+              <a:off x="9387955" y="4614448"/>
+              <a:ext cx="404114" cy="0"/>
+            </a:xfrm>
+            <a:prstGeom prst="straightConnector1">
+              <a:avLst/>
+            </a:prstGeom>
+            <a:ln w="19050">
+              <a:solidFill>
+                <a:schemeClr val="accent6"/>
+              </a:solidFill>
+              <a:tailEnd type="triangle"/>
+            </a:ln>
+          </p:spPr>
+          <p:style>
+            <a:lnRef idx="1">
+              <a:schemeClr val="accent1"/>
+            </a:lnRef>
+            <a:fillRef idx="0">
+              <a:schemeClr val="accent1"/>
+            </a:fillRef>
+            <a:effectRef idx="0">
+              <a:schemeClr val="accent1"/>
+            </a:effectRef>
+            <a:fontRef idx="minor">
+              <a:schemeClr val="tx1"/>
+            </a:fontRef>
+          </p:style>
+        </p:cxnSp>
+      </p:grpSp>
+      <p:grpSp>
+        <p:nvGrpSpPr>
+          <p:cNvPr id="91" name="Group 90">
+            <a:extLst>
+              <a:ext uri="{FF2B5EF4-FFF2-40B4-BE49-F238E27FC236}">
+                <a16:creationId xmlns:a16="http://schemas.microsoft.com/office/drawing/2014/main" id="{FA090281-56D3-45FD-83D6-F8ADA0DF088D}"/>
+              </a:ext>
+            </a:extLst>
+          </p:cNvPr>
+          <p:cNvGrpSpPr/>
+          <p:nvPr/>
+        </p:nvGrpSpPr>
+        <p:grpSpPr>
+          <a:xfrm>
+            <a:off x="7803763" y="3013368"/>
+            <a:ext cx="4310743" cy="181400"/>
+            <a:chOff x="7803763" y="4523748"/>
+            <a:chExt cx="4310743" cy="181400"/>
+          </a:xfrm>
+        </p:grpSpPr>
+        <p:grpSp>
+          <p:nvGrpSpPr>
+            <p:cNvPr id="92" name="Group 91">
+              <a:extLst>
+                <a:ext uri="{FF2B5EF4-FFF2-40B4-BE49-F238E27FC236}">
+                  <a16:creationId xmlns:a16="http://schemas.microsoft.com/office/drawing/2014/main" id="{9394169E-E55B-4615-8A7E-C3E117247E17}"/>
+                </a:ext>
+              </a:extLst>
+            </p:cNvPr>
+            <p:cNvGrpSpPr/>
+            <p:nvPr/>
+          </p:nvGrpSpPr>
+          <p:grpSpPr>
+            <a:xfrm>
+              <a:off x="7803763" y="4523748"/>
+              <a:ext cx="4310743" cy="181400"/>
+              <a:chOff x="7803763" y="4523748"/>
+              <a:chExt cx="4310743" cy="181400"/>
+            </a:xfrm>
+          </p:grpSpPr>
+          <p:grpSp>
+            <p:nvGrpSpPr>
+              <p:cNvPr id="94" name="Group 93">
+                <a:extLst>
+                  <a:ext uri="{FF2B5EF4-FFF2-40B4-BE49-F238E27FC236}">
+                    <a16:creationId xmlns:a16="http://schemas.microsoft.com/office/drawing/2014/main" id="{80DF28DB-6180-425A-81E8-34335DF95ADA}"/>
+                  </a:ext>
+                </a:extLst>
+              </p:cNvPr>
+              <p:cNvGrpSpPr/>
+              <p:nvPr/>
+            </p:nvGrpSpPr>
+            <p:grpSpPr>
+              <a:xfrm flipH="1">
+                <a:off x="8298296" y="4523748"/>
+                <a:ext cx="3816210" cy="181400"/>
+                <a:chOff x="77494" y="1451264"/>
+                <a:chExt cx="3821561" cy="183271"/>
+              </a:xfrm>
+            </p:grpSpPr>
+            <p:sp>
+              <p:nvSpPr>
+                <p:cNvPr id="96" name="Rectangle 95">
+                  <a:extLst>
+                    <a:ext uri="{FF2B5EF4-FFF2-40B4-BE49-F238E27FC236}">
+                      <a16:creationId xmlns:a16="http://schemas.microsoft.com/office/drawing/2014/main" id="{8822DF8B-3C85-44F2-975C-DBBD129C23A3}"/>
+                    </a:ext>
+                  </a:extLst>
+                </p:cNvPr>
+                <p:cNvSpPr/>
+                <p:nvPr/>
+              </p:nvSpPr>
+              <p:spPr>
+                <a:xfrm>
+                  <a:off x="2831015" y="1453170"/>
+                  <a:ext cx="1068040" cy="181365"/>
+                </a:xfrm>
+                <a:prstGeom prst="rect">
+                  <a:avLst/>
+                </a:prstGeom>
+                <a:solidFill>
+                  <a:schemeClr val="bg1"/>
+                </a:solidFill>
+                <a:ln>
+                  <a:solidFill>
+                    <a:schemeClr val="accent6"/>
+                  </a:solidFill>
+                </a:ln>
+              </p:spPr>
+              <p:style>
+                <a:lnRef idx="2">
+                  <a:schemeClr val="accent1">
+                    <a:shade val="50000"/>
+                  </a:schemeClr>
+                </a:lnRef>
+                <a:fillRef idx="1">
+                  <a:schemeClr val="accent1"/>
+                </a:fillRef>
+                <a:effectRef idx="0">
+                  <a:schemeClr val="accent1"/>
+                </a:effectRef>
+                <a:fontRef idx="minor">
+                  <a:schemeClr val="lt1"/>
+                </a:fontRef>
+              </p:style>
+              <p:txBody>
+                <a:bodyPr rtlCol="0" anchor="ctr"/>
+                <a:lstStyle/>
+                <a:p>
+                  <a:pPr algn="ctr"/>
+                  <a:r>
+                    <a:rPr lang="en-US" sz="1200" dirty="0">
+                      <a:solidFill>
+                        <a:schemeClr val="tx1"/>
+                      </a:solidFill>
+                      <a:latin typeface="Times New Roman" panose="02020603050405020304" pitchFamily="18" charset="0"/>
+                      <a:cs typeface="Times New Roman" panose="02020603050405020304" pitchFamily="18" charset="0"/>
+                    </a:rPr>
+                    <a:t>PWM Out</a:t>
+                  </a:r>
+                  <a:endParaRPr lang="en-SG" sz="1200" dirty="0">
+                    <a:solidFill>
+                      <a:schemeClr val="tx1"/>
+                    </a:solidFill>
+                    <a:latin typeface="Times New Roman" panose="02020603050405020304" pitchFamily="18" charset="0"/>
+                    <a:cs typeface="Times New Roman" panose="02020603050405020304" pitchFamily="18" charset="0"/>
+                  </a:endParaRPr>
+                </a:p>
+              </p:txBody>
+            </p:sp>
+            <p:sp>
+              <p:nvSpPr>
+                <p:cNvPr id="97" name="Rectangle 96">
+                  <a:extLst>
+                    <a:ext uri="{FF2B5EF4-FFF2-40B4-BE49-F238E27FC236}">
+                      <a16:creationId xmlns:a16="http://schemas.microsoft.com/office/drawing/2014/main" id="{DF414311-5A62-4DAA-8CF9-3F5DA9CDE312}"/>
+                    </a:ext>
+                  </a:extLst>
+                </p:cNvPr>
+                <p:cNvSpPr/>
+                <p:nvPr/>
+              </p:nvSpPr>
+              <p:spPr>
+                <a:xfrm>
+                  <a:off x="77494" y="1451264"/>
+                  <a:ext cx="2325695" cy="181365"/>
+                </a:xfrm>
+                <a:prstGeom prst="rect">
+                  <a:avLst/>
+                </a:prstGeom>
+                <a:solidFill>
+                  <a:schemeClr val="bg1"/>
+                </a:solidFill>
+                <a:ln>
+                  <a:solidFill>
+                    <a:schemeClr val="accent6"/>
+                  </a:solidFill>
+                </a:ln>
+              </p:spPr>
+              <p:style>
+                <a:lnRef idx="2">
+                  <a:schemeClr val="accent1">
+                    <a:shade val="50000"/>
+                  </a:schemeClr>
+                </a:lnRef>
+                <a:fillRef idx="1">
+                  <a:schemeClr val="accent1"/>
+                </a:fillRef>
+                <a:effectRef idx="0">
+                  <a:schemeClr val="accent1"/>
+                </a:effectRef>
+                <a:fontRef idx="minor">
+                  <a:schemeClr val="lt1"/>
+                </a:fontRef>
+              </p:style>
+              <p:txBody>
+                <a:bodyPr rtlCol="0" anchor="ctr"/>
+                <a:lstStyle/>
+                <a:p>
+                  <a:pPr algn="ctr"/>
+                  <a:r>
+                    <a:rPr lang="en-US" sz="1200" dirty="0">
+                      <a:solidFill>
+                        <a:schemeClr val="tx1"/>
+                      </a:solidFill>
+                      <a:latin typeface="Times New Roman" panose="02020603050405020304" pitchFamily="18" charset="0"/>
+                      <a:cs typeface="Times New Roman" panose="02020603050405020304" pitchFamily="18" charset="0"/>
+                    </a:rPr>
+                    <a:t>Camera EL Servo Signal</a:t>
+                  </a:r>
+                  <a:endParaRPr lang="en-SG" sz="1200" dirty="0">
+                    <a:solidFill>
+                      <a:schemeClr val="tx1"/>
+                    </a:solidFill>
+                    <a:latin typeface="Times New Roman" panose="02020603050405020304" pitchFamily="18" charset="0"/>
+                    <a:cs typeface="Times New Roman" panose="02020603050405020304" pitchFamily="18" charset="0"/>
+                  </a:endParaRPr>
+                </a:p>
+              </p:txBody>
+            </p:sp>
+          </p:grpSp>
+          <p:cxnSp>
+            <p:nvCxnSpPr>
+              <p:cNvPr id="95" name="Straight Arrow Connector 94">
+                <a:extLst>
+                  <a:ext uri="{FF2B5EF4-FFF2-40B4-BE49-F238E27FC236}">
+                    <a16:creationId xmlns:a16="http://schemas.microsoft.com/office/drawing/2014/main" id="{A0C2B85D-8630-401B-A4DB-69767C716A8C}"/>
+                  </a:ext>
+                </a:extLst>
+              </p:cNvPr>
+              <p:cNvCxnSpPr>
+                <a:cxnSpLocks/>
+              </p:cNvCxnSpPr>
+              <p:nvPr/>
+            </p:nvCxnSpPr>
+            <p:spPr>
+              <a:xfrm>
+                <a:off x="7803763" y="4615197"/>
+                <a:ext cx="494667" cy="0"/>
+              </a:xfrm>
+              <a:prstGeom prst="straightConnector1">
+                <a:avLst/>
+              </a:prstGeom>
+              <a:ln w="19050">
+                <a:solidFill>
+                  <a:schemeClr val="accent6"/>
+                </a:solidFill>
+                <a:tailEnd type="triangle"/>
+              </a:ln>
+            </p:spPr>
+            <p:style>
+              <a:lnRef idx="1">
+                <a:schemeClr val="accent1"/>
+              </a:lnRef>
+              <a:fillRef idx="0">
+                <a:schemeClr val="accent1"/>
+              </a:fillRef>
+              <a:effectRef idx="0">
+                <a:schemeClr val="accent1"/>
+              </a:effectRef>
+              <a:fontRef idx="minor">
+                <a:schemeClr val="tx1"/>
+              </a:fontRef>
+            </p:style>
+          </p:cxnSp>
+        </p:grpSp>
+        <p:cxnSp>
+          <p:nvCxnSpPr>
+            <p:cNvPr id="93" name="Straight Arrow Connector 92">
+              <a:extLst>
+                <a:ext uri="{FF2B5EF4-FFF2-40B4-BE49-F238E27FC236}">
+                  <a16:creationId xmlns:a16="http://schemas.microsoft.com/office/drawing/2014/main" id="{48640084-B23E-4D60-868B-C339BF17E8F3}"/>
+                </a:ext>
+              </a:extLst>
+            </p:cNvPr>
+            <p:cNvCxnSpPr>
+              <a:cxnSpLocks/>
+            </p:cNvCxnSpPr>
+            <p:nvPr/>
+          </p:nvCxnSpPr>
+          <p:spPr>
+            <a:xfrm>
+              <a:off x="9387955" y="4614448"/>
+              <a:ext cx="404114" cy="0"/>
+            </a:xfrm>
+            <a:prstGeom prst="straightConnector1">
+              <a:avLst/>
+            </a:prstGeom>
+            <a:ln w="19050">
+              <a:solidFill>
+                <a:schemeClr val="accent6"/>
+              </a:solidFill>
+              <a:tailEnd type="triangle"/>
+            </a:ln>
+          </p:spPr>
+          <p:style>
+            <a:lnRef idx="1">
+              <a:schemeClr val="accent1"/>
+            </a:lnRef>
+            <a:fillRef idx="0">
+              <a:schemeClr val="accent1"/>
+            </a:fillRef>
+            <a:effectRef idx="0">
+              <a:schemeClr val="accent1"/>
+            </a:effectRef>
+            <a:fontRef idx="minor">
+              <a:schemeClr val="tx1"/>
+            </a:fontRef>
+          </p:style>
+        </p:cxnSp>
+      </p:grpSp>
+      <p:grpSp>
+        <p:nvGrpSpPr>
+          <p:cNvPr id="126" name="Group 125">
+            <a:extLst>
+              <a:ext uri="{FF2B5EF4-FFF2-40B4-BE49-F238E27FC236}">
+                <a16:creationId xmlns:a16="http://schemas.microsoft.com/office/drawing/2014/main" id="{AA4A2A89-402A-4E42-9F03-B90091E171C4}"/>
+              </a:ext>
+            </a:extLst>
+          </p:cNvPr>
+          <p:cNvGrpSpPr/>
+          <p:nvPr/>
+        </p:nvGrpSpPr>
+        <p:grpSpPr>
+          <a:xfrm>
+            <a:off x="7803763" y="2402156"/>
+            <a:ext cx="4310743" cy="181400"/>
+            <a:chOff x="7803763" y="4523748"/>
+            <a:chExt cx="4310743" cy="181400"/>
+          </a:xfrm>
+        </p:grpSpPr>
+        <p:grpSp>
+          <p:nvGrpSpPr>
+            <p:cNvPr id="127" name="Group 126">
+              <a:extLst>
+                <a:ext uri="{FF2B5EF4-FFF2-40B4-BE49-F238E27FC236}">
+                  <a16:creationId xmlns:a16="http://schemas.microsoft.com/office/drawing/2014/main" id="{FE56E12A-9C28-4803-ABA8-CB8416D95063}"/>
+                </a:ext>
+              </a:extLst>
+            </p:cNvPr>
+            <p:cNvGrpSpPr/>
+            <p:nvPr/>
+          </p:nvGrpSpPr>
+          <p:grpSpPr>
+            <a:xfrm>
+              <a:off x="7803763" y="4523748"/>
+              <a:ext cx="4310743" cy="181400"/>
+              <a:chOff x="7803763" y="4523748"/>
+              <a:chExt cx="4310743" cy="181400"/>
+            </a:xfrm>
+          </p:grpSpPr>
+          <p:grpSp>
+            <p:nvGrpSpPr>
+              <p:cNvPr id="129" name="Group 128">
+                <a:extLst>
+                  <a:ext uri="{FF2B5EF4-FFF2-40B4-BE49-F238E27FC236}">
+                    <a16:creationId xmlns:a16="http://schemas.microsoft.com/office/drawing/2014/main" id="{F6436CA0-01D3-4379-8354-0B4809BE379F}"/>
+                  </a:ext>
+                </a:extLst>
+              </p:cNvPr>
+              <p:cNvGrpSpPr/>
+              <p:nvPr/>
+            </p:nvGrpSpPr>
+            <p:grpSpPr>
+              <a:xfrm flipH="1">
+                <a:off x="8298296" y="4523748"/>
+                <a:ext cx="3816210" cy="181400"/>
+                <a:chOff x="77494" y="1451264"/>
+                <a:chExt cx="3821561" cy="183271"/>
+              </a:xfrm>
+            </p:grpSpPr>
+            <p:sp>
+              <p:nvSpPr>
+                <p:cNvPr id="131" name="Rectangle 130">
+                  <a:extLst>
+                    <a:ext uri="{FF2B5EF4-FFF2-40B4-BE49-F238E27FC236}">
+                      <a16:creationId xmlns:a16="http://schemas.microsoft.com/office/drawing/2014/main" id="{45C4096E-0729-4495-80FB-ABB44A266D3E}"/>
+                    </a:ext>
+                  </a:extLst>
+                </p:cNvPr>
+                <p:cNvSpPr/>
+                <p:nvPr/>
+              </p:nvSpPr>
+              <p:spPr>
+                <a:xfrm>
+                  <a:off x="2831015" y="1453170"/>
+                  <a:ext cx="1068040" cy="181365"/>
+                </a:xfrm>
+                <a:prstGeom prst="rect">
+                  <a:avLst/>
+                </a:prstGeom>
+                <a:solidFill>
+                  <a:schemeClr val="bg1"/>
+                </a:solidFill>
+                <a:ln>
+                  <a:solidFill>
+                    <a:schemeClr val="accent6"/>
+                  </a:solidFill>
+                </a:ln>
+              </p:spPr>
+              <p:style>
+                <a:lnRef idx="2">
+                  <a:schemeClr val="accent1">
+                    <a:shade val="50000"/>
+                  </a:schemeClr>
+                </a:lnRef>
+                <a:fillRef idx="1">
+                  <a:schemeClr val="accent1"/>
+                </a:fillRef>
+                <a:effectRef idx="0">
+                  <a:schemeClr val="accent1"/>
+                </a:effectRef>
+                <a:fontRef idx="minor">
+                  <a:schemeClr val="lt1"/>
+                </a:fontRef>
+              </p:style>
+              <p:txBody>
+                <a:bodyPr rtlCol="0" anchor="ctr"/>
+                <a:lstStyle/>
+                <a:p>
+                  <a:pPr algn="ctr"/>
+                  <a:r>
+                    <a:rPr lang="en-US" sz="1200" dirty="0">
+                      <a:solidFill>
+                        <a:schemeClr val="tx1"/>
+                      </a:solidFill>
+                      <a:latin typeface="Times New Roman" panose="02020603050405020304" pitchFamily="18" charset="0"/>
+                      <a:cs typeface="Times New Roman" panose="02020603050405020304" pitchFamily="18" charset="0"/>
+                    </a:rPr>
+                    <a:t>Digital (I2C)</a:t>
+                  </a:r>
+                  <a:endParaRPr lang="en-SG" sz="1200" dirty="0">
+                    <a:solidFill>
+                      <a:schemeClr val="tx1"/>
+                    </a:solidFill>
+                    <a:latin typeface="Times New Roman" panose="02020603050405020304" pitchFamily="18" charset="0"/>
+                    <a:cs typeface="Times New Roman" panose="02020603050405020304" pitchFamily="18" charset="0"/>
+                  </a:endParaRPr>
+                </a:p>
+              </p:txBody>
+            </p:sp>
+            <p:sp>
+              <p:nvSpPr>
+                <p:cNvPr id="132" name="Rectangle 131">
+                  <a:extLst>
+                    <a:ext uri="{FF2B5EF4-FFF2-40B4-BE49-F238E27FC236}">
+                      <a16:creationId xmlns:a16="http://schemas.microsoft.com/office/drawing/2014/main" id="{A0F3AC67-AC3D-42B8-9A03-1A4522135463}"/>
+                    </a:ext>
+                  </a:extLst>
+                </p:cNvPr>
+                <p:cNvSpPr/>
+                <p:nvPr/>
+              </p:nvSpPr>
+              <p:spPr>
+                <a:xfrm>
+                  <a:off x="77494" y="1451264"/>
+                  <a:ext cx="2325695" cy="181365"/>
+                </a:xfrm>
+                <a:prstGeom prst="rect">
+                  <a:avLst/>
+                </a:prstGeom>
+                <a:solidFill>
+                  <a:schemeClr val="bg1"/>
+                </a:solidFill>
+                <a:ln>
+                  <a:solidFill>
+                    <a:schemeClr val="accent6"/>
+                  </a:solidFill>
+                </a:ln>
+              </p:spPr>
+              <p:style>
+                <a:lnRef idx="2">
+                  <a:schemeClr val="accent1">
+                    <a:shade val="50000"/>
+                  </a:schemeClr>
+                </a:lnRef>
+                <a:fillRef idx="1">
+                  <a:schemeClr val="accent1"/>
+                </a:fillRef>
+                <a:effectRef idx="0">
+                  <a:schemeClr val="accent1"/>
+                </a:effectRef>
+                <a:fontRef idx="minor">
+                  <a:schemeClr val="lt1"/>
+                </a:fontRef>
+              </p:style>
+              <p:txBody>
+                <a:bodyPr rtlCol="0" anchor="ctr"/>
+                <a:lstStyle/>
+                <a:p>
+                  <a:pPr algn="ctr"/>
+                  <a:r>
+                    <a:rPr lang="en-US" sz="1200" dirty="0">
+                      <a:solidFill>
+                        <a:schemeClr val="tx1"/>
+                      </a:solidFill>
+                      <a:latin typeface="Times New Roman" panose="02020603050405020304" pitchFamily="18" charset="0"/>
+                      <a:cs typeface="Times New Roman" panose="02020603050405020304" pitchFamily="18" charset="0"/>
+                    </a:rPr>
+                    <a:t>OLED Display SDA</a:t>
+                  </a:r>
+                  <a:endParaRPr lang="en-SG" sz="1200" dirty="0">
+                    <a:solidFill>
+                      <a:schemeClr val="tx1"/>
+                    </a:solidFill>
+                    <a:latin typeface="Times New Roman" panose="02020603050405020304" pitchFamily="18" charset="0"/>
+                    <a:cs typeface="Times New Roman" panose="02020603050405020304" pitchFamily="18" charset="0"/>
+                  </a:endParaRPr>
+                </a:p>
+              </p:txBody>
+            </p:sp>
+          </p:grpSp>
+          <p:cxnSp>
+            <p:nvCxnSpPr>
+              <p:cNvPr id="130" name="Straight Arrow Connector 129">
+                <a:extLst>
+                  <a:ext uri="{FF2B5EF4-FFF2-40B4-BE49-F238E27FC236}">
+                    <a16:creationId xmlns:a16="http://schemas.microsoft.com/office/drawing/2014/main" id="{A2C578E2-936B-407F-84A1-77E48248EDE1}"/>
+                  </a:ext>
+                </a:extLst>
+              </p:cNvPr>
+              <p:cNvCxnSpPr>
+                <a:cxnSpLocks/>
+              </p:cNvCxnSpPr>
+              <p:nvPr/>
+            </p:nvCxnSpPr>
+            <p:spPr>
+              <a:xfrm>
+                <a:off x="7803763" y="4615197"/>
+                <a:ext cx="494667" cy="0"/>
+              </a:xfrm>
+              <a:prstGeom prst="straightConnector1">
+                <a:avLst/>
+              </a:prstGeom>
+              <a:ln w="19050">
+                <a:solidFill>
+                  <a:schemeClr val="accent6"/>
+                </a:solidFill>
+                <a:tailEnd type="triangle"/>
+              </a:ln>
+            </p:spPr>
+            <p:style>
+              <a:lnRef idx="1">
+                <a:schemeClr val="accent1"/>
+              </a:lnRef>
+              <a:fillRef idx="0">
+                <a:schemeClr val="accent1"/>
+              </a:fillRef>
+              <a:effectRef idx="0">
+                <a:schemeClr val="accent1"/>
+              </a:effectRef>
+              <a:fontRef idx="minor">
+                <a:schemeClr val="tx1"/>
+              </a:fontRef>
+            </p:style>
+          </p:cxnSp>
+        </p:grpSp>
+        <p:cxnSp>
+          <p:nvCxnSpPr>
+            <p:cNvPr id="128" name="Straight Arrow Connector 127">
+              <a:extLst>
+                <a:ext uri="{FF2B5EF4-FFF2-40B4-BE49-F238E27FC236}">
+                  <a16:creationId xmlns:a16="http://schemas.microsoft.com/office/drawing/2014/main" id="{1EA869BE-3D76-4D37-BA3C-0164FE79AABE}"/>
+                </a:ext>
+              </a:extLst>
+            </p:cNvPr>
+            <p:cNvCxnSpPr>
+              <a:cxnSpLocks/>
+            </p:cNvCxnSpPr>
+            <p:nvPr/>
+          </p:nvCxnSpPr>
+          <p:spPr>
+            <a:xfrm>
+              <a:off x="9387955" y="4614448"/>
+              <a:ext cx="404114" cy="0"/>
+            </a:xfrm>
+            <a:prstGeom prst="straightConnector1">
+              <a:avLst/>
+            </a:prstGeom>
+            <a:ln w="19050">
+              <a:solidFill>
+                <a:schemeClr val="accent6"/>
+              </a:solidFill>
+              <a:tailEnd type="triangle"/>
+            </a:ln>
+          </p:spPr>
+          <p:style>
+            <a:lnRef idx="1">
+              <a:schemeClr val="accent1"/>
+            </a:lnRef>
+            <a:fillRef idx="0">
+              <a:schemeClr val="accent1"/>
+            </a:fillRef>
+            <a:effectRef idx="0">
+              <a:schemeClr val="accent1"/>
+            </a:effectRef>
+            <a:fontRef idx="minor">
+              <a:schemeClr val="tx1"/>
+            </a:fontRef>
+          </p:style>
+        </p:cxnSp>
+      </p:grpSp>
+      <p:grpSp>
+        <p:nvGrpSpPr>
+          <p:cNvPr id="133" name="Group 132">
+            <a:extLst>
+              <a:ext uri="{FF2B5EF4-FFF2-40B4-BE49-F238E27FC236}">
+                <a16:creationId xmlns:a16="http://schemas.microsoft.com/office/drawing/2014/main" id="{2ACEE0AE-FC73-4224-B2CF-F360C09E7CE5}"/>
+              </a:ext>
+            </a:extLst>
+          </p:cNvPr>
+          <p:cNvGrpSpPr/>
+          <p:nvPr/>
+        </p:nvGrpSpPr>
+        <p:grpSpPr>
+          <a:xfrm>
+            <a:off x="7776210" y="1463816"/>
+            <a:ext cx="4310743" cy="181400"/>
+            <a:chOff x="7803763" y="4523748"/>
+            <a:chExt cx="4310743" cy="181400"/>
+          </a:xfrm>
+        </p:grpSpPr>
+        <p:grpSp>
+          <p:nvGrpSpPr>
+            <p:cNvPr id="134" name="Group 133">
+              <a:extLst>
+                <a:ext uri="{FF2B5EF4-FFF2-40B4-BE49-F238E27FC236}">
+                  <a16:creationId xmlns:a16="http://schemas.microsoft.com/office/drawing/2014/main" id="{40A0FF2D-E518-4F42-9067-EBBD34F9C3E9}"/>
+                </a:ext>
+              </a:extLst>
+            </p:cNvPr>
+            <p:cNvGrpSpPr/>
+            <p:nvPr/>
+          </p:nvGrpSpPr>
+          <p:grpSpPr>
+            <a:xfrm>
+              <a:off x="7803763" y="4523748"/>
+              <a:ext cx="4310743" cy="181400"/>
+              <a:chOff x="7803763" y="4523748"/>
+              <a:chExt cx="4310743" cy="181400"/>
+            </a:xfrm>
+          </p:grpSpPr>
+          <p:grpSp>
+            <p:nvGrpSpPr>
+              <p:cNvPr id="136" name="Group 135">
+                <a:extLst>
+                  <a:ext uri="{FF2B5EF4-FFF2-40B4-BE49-F238E27FC236}">
+                    <a16:creationId xmlns:a16="http://schemas.microsoft.com/office/drawing/2014/main" id="{92133D2E-A0B5-4E9A-B82C-64D8AF201C53}"/>
+                  </a:ext>
+                </a:extLst>
+              </p:cNvPr>
+              <p:cNvGrpSpPr/>
+              <p:nvPr/>
+            </p:nvGrpSpPr>
+            <p:grpSpPr>
+              <a:xfrm flipH="1">
+                <a:off x="8298296" y="4523748"/>
+                <a:ext cx="3816210" cy="181400"/>
+                <a:chOff x="77494" y="1451264"/>
+                <a:chExt cx="3821561" cy="183271"/>
+              </a:xfrm>
+            </p:grpSpPr>
+            <p:sp>
+              <p:nvSpPr>
+                <p:cNvPr id="138" name="Rectangle 137">
+                  <a:extLst>
+                    <a:ext uri="{FF2B5EF4-FFF2-40B4-BE49-F238E27FC236}">
+                      <a16:creationId xmlns:a16="http://schemas.microsoft.com/office/drawing/2014/main" id="{4590C515-9BC6-4C6B-BB7E-096839D46A6E}"/>
+                    </a:ext>
+                  </a:extLst>
+                </p:cNvPr>
+                <p:cNvSpPr/>
+                <p:nvPr/>
+              </p:nvSpPr>
+              <p:spPr>
+                <a:xfrm>
+                  <a:off x="2831015" y="1453170"/>
+                  <a:ext cx="1068040" cy="181365"/>
+                </a:xfrm>
+                <a:prstGeom prst="rect">
+                  <a:avLst/>
+                </a:prstGeom>
+                <a:solidFill>
+                  <a:schemeClr val="bg1"/>
+                </a:solidFill>
+                <a:ln>
+                  <a:solidFill>
+                    <a:schemeClr val="accent6"/>
+                  </a:solidFill>
+                </a:ln>
+              </p:spPr>
+              <p:style>
+                <a:lnRef idx="2">
+                  <a:schemeClr val="accent1">
+                    <a:shade val="50000"/>
+                  </a:schemeClr>
+                </a:lnRef>
+                <a:fillRef idx="1">
+                  <a:schemeClr val="accent1"/>
+                </a:fillRef>
+                <a:effectRef idx="0">
+                  <a:schemeClr val="accent1"/>
+                </a:effectRef>
+                <a:fontRef idx="minor">
+                  <a:schemeClr val="lt1"/>
+                </a:fontRef>
+              </p:style>
+              <p:txBody>
+                <a:bodyPr rtlCol="0" anchor="ctr"/>
+                <a:lstStyle/>
+                <a:p>
+                  <a:pPr algn="ctr"/>
+                  <a:r>
+                    <a:rPr lang="en-US" sz="1200" dirty="0">
+                      <a:solidFill>
+                        <a:schemeClr val="tx1"/>
+                      </a:solidFill>
+                      <a:latin typeface="Times New Roman" panose="02020603050405020304" pitchFamily="18" charset="0"/>
+                      <a:cs typeface="Times New Roman" panose="02020603050405020304" pitchFamily="18" charset="0"/>
+                    </a:rPr>
+                    <a:t> Digital (I2C)</a:t>
+                  </a:r>
+                  <a:endParaRPr lang="en-SG" sz="1200" dirty="0">
+                    <a:solidFill>
+                      <a:schemeClr val="tx1"/>
+                    </a:solidFill>
+                    <a:latin typeface="Times New Roman" panose="02020603050405020304" pitchFamily="18" charset="0"/>
+                    <a:cs typeface="Times New Roman" panose="02020603050405020304" pitchFamily="18" charset="0"/>
+                  </a:endParaRPr>
+                </a:p>
+              </p:txBody>
+            </p:sp>
+            <p:sp>
+              <p:nvSpPr>
+                <p:cNvPr id="139" name="Rectangle 138">
+                  <a:extLst>
+                    <a:ext uri="{FF2B5EF4-FFF2-40B4-BE49-F238E27FC236}">
+                      <a16:creationId xmlns:a16="http://schemas.microsoft.com/office/drawing/2014/main" id="{A1163E14-17CA-4817-ACF4-4E799549738C}"/>
+                    </a:ext>
+                  </a:extLst>
+                </p:cNvPr>
+                <p:cNvSpPr/>
+                <p:nvPr/>
+              </p:nvSpPr>
+              <p:spPr>
+                <a:xfrm>
+                  <a:off x="77494" y="1451264"/>
+                  <a:ext cx="2325695" cy="181365"/>
+                </a:xfrm>
+                <a:prstGeom prst="rect">
+                  <a:avLst/>
+                </a:prstGeom>
+                <a:solidFill>
+                  <a:schemeClr val="bg1"/>
+                </a:solidFill>
+                <a:ln>
+                  <a:solidFill>
+                    <a:schemeClr val="accent6"/>
+                  </a:solidFill>
+                </a:ln>
+              </p:spPr>
+              <p:style>
+                <a:lnRef idx="2">
+                  <a:schemeClr val="accent1">
+                    <a:shade val="50000"/>
+                  </a:schemeClr>
+                </a:lnRef>
+                <a:fillRef idx="1">
+                  <a:schemeClr val="accent1"/>
+                </a:fillRef>
+                <a:effectRef idx="0">
+                  <a:schemeClr val="accent1"/>
+                </a:effectRef>
+                <a:fontRef idx="minor">
+                  <a:schemeClr val="lt1"/>
+                </a:fontRef>
+              </p:style>
+              <p:txBody>
+                <a:bodyPr rtlCol="0" anchor="ctr"/>
+                <a:lstStyle/>
+                <a:p>
+                  <a:pPr algn="ctr"/>
+                  <a:r>
+                    <a:rPr lang="en-US" sz="1200" dirty="0">
+                      <a:solidFill>
+                        <a:schemeClr val="tx1"/>
+                      </a:solidFill>
+                      <a:latin typeface="Times New Roman" panose="02020603050405020304" pitchFamily="18" charset="0"/>
+                      <a:cs typeface="Times New Roman" panose="02020603050405020304" pitchFamily="18" charset="0"/>
+                    </a:rPr>
+                    <a:t>OLED Display SCL</a:t>
+                  </a:r>
+                  <a:endParaRPr lang="en-SG" sz="1200" dirty="0">
+                    <a:solidFill>
+                      <a:schemeClr val="tx1"/>
+                    </a:solidFill>
+                    <a:latin typeface="Times New Roman" panose="02020603050405020304" pitchFamily="18" charset="0"/>
+                    <a:cs typeface="Times New Roman" panose="02020603050405020304" pitchFamily="18" charset="0"/>
+                  </a:endParaRPr>
+                </a:p>
+              </p:txBody>
+            </p:sp>
+          </p:grpSp>
+          <p:cxnSp>
+            <p:nvCxnSpPr>
+              <p:cNvPr id="137" name="Straight Arrow Connector 136">
+                <a:extLst>
+                  <a:ext uri="{FF2B5EF4-FFF2-40B4-BE49-F238E27FC236}">
+                    <a16:creationId xmlns:a16="http://schemas.microsoft.com/office/drawing/2014/main" id="{57E39CFB-42C1-4172-97F1-55AF36A913EC}"/>
+                  </a:ext>
+                </a:extLst>
+              </p:cNvPr>
+              <p:cNvCxnSpPr>
+                <a:cxnSpLocks/>
+              </p:cNvCxnSpPr>
+              <p:nvPr/>
+            </p:nvCxnSpPr>
+            <p:spPr>
+              <a:xfrm>
+                <a:off x="7803763" y="4615197"/>
+                <a:ext cx="494667" cy="0"/>
+              </a:xfrm>
+              <a:prstGeom prst="straightConnector1">
+                <a:avLst/>
+              </a:prstGeom>
+              <a:ln w="19050">
+                <a:solidFill>
+                  <a:schemeClr val="accent6"/>
+                </a:solidFill>
+                <a:tailEnd type="triangle"/>
+              </a:ln>
+            </p:spPr>
+            <p:style>
+              <a:lnRef idx="1">
+                <a:schemeClr val="accent1"/>
+              </a:lnRef>
+              <a:fillRef idx="0">
+                <a:schemeClr val="accent1"/>
+              </a:fillRef>
+              <a:effectRef idx="0">
+                <a:schemeClr val="accent1"/>
+              </a:effectRef>
+              <a:fontRef idx="minor">
+                <a:schemeClr val="tx1"/>
+              </a:fontRef>
+            </p:style>
+          </p:cxnSp>
+        </p:grpSp>
+        <p:cxnSp>
+          <p:nvCxnSpPr>
+            <p:cNvPr id="135" name="Straight Arrow Connector 134">
+              <a:extLst>
+                <a:ext uri="{FF2B5EF4-FFF2-40B4-BE49-F238E27FC236}">
+                  <a16:creationId xmlns:a16="http://schemas.microsoft.com/office/drawing/2014/main" id="{719F5779-4196-43A0-A71B-1FE7B48BC6C3}"/>
+                </a:ext>
+              </a:extLst>
+            </p:cNvPr>
+            <p:cNvCxnSpPr>
+              <a:cxnSpLocks/>
+            </p:cNvCxnSpPr>
+            <p:nvPr/>
+          </p:nvCxnSpPr>
+          <p:spPr>
+            <a:xfrm>
+              <a:off x="9387955" y="4614448"/>
+              <a:ext cx="404114" cy="0"/>
+            </a:xfrm>
+            <a:prstGeom prst="straightConnector1">
+              <a:avLst/>
+            </a:prstGeom>
+            <a:ln w="19050">
+              <a:solidFill>
+                <a:schemeClr val="accent6"/>
+              </a:solidFill>
+              <a:tailEnd type="triangle"/>
+            </a:ln>
+          </p:spPr>
+          <p:style>
+            <a:lnRef idx="1">
+              <a:schemeClr val="accent1"/>
+            </a:lnRef>
+            <a:fillRef idx="0">
+              <a:schemeClr val="accent1"/>
+            </a:fillRef>
+            <a:effectRef idx="0">
+              <a:schemeClr val="accent1"/>
+            </a:effectRef>
+            <a:fontRef idx="minor">
+              <a:schemeClr val="tx1"/>
+            </a:fontRef>
+          </p:style>
+        </p:cxnSp>
+      </p:grpSp>
+      <p:sp>
+        <p:nvSpPr>
+          <p:cNvPr id="150" name="TextBox 149">
+            <a:extLst>
+              <a:ext uri="{FF2B5EF4-FFF2-40B4-BE49-F238E27FC236}">
+                <a16:creationId xmlns:a16="http://schemas.microsoft.com/office/drawing/2014/main" id="{F1F7E585-6B56-44EC-B2D0-2F6FE64270EB}"/>
+              </a:ext>
+            </a:extLst>
+          </p:cNvPr>
+          <p:cNvSpPr txBox="1"/>
+          <p:nvPr/>
+        </p:nvSpPr>
+        <p:spPr>
+          <a:xfrm>
+            <a:off x="77491" y="6191250"/>
+            <a:ext cx="3089429" cy="461665"/>
+          </a:xfrm>
+          <a:prstGeom prst="rect">
+            <a:avLst/>
+          </a:prstGeom>
+          <a:noFill/>
+        </p:spPr>
+        <p:txBody>
+          <a:bodyPr wrap="square" rtlCol="0">
+            <a:spAutoFit/>
+          </a:bodyPr>
+          <a:lstStyle/>
+          <a:p>
             <a:r>
-              <a:rPr lang="en-US" sz="1200" dirty="0">
-                <a:solidFill>
-                  <a:schemeClr val="tx1"/>
-                </a:solidFill>
+              <a:rPr lang="en-US" sz="1200" b="1" dirty="0">
                 <a:latin typeface="Times New Roman" panose="02020603050405020304" pitchFamily="18" charset="0"/>
                 <a:cs typeface="Times New Roman" panose="02020603050405020304" pitchFamily="18" charset="0"/>
               </a:rPr>
-              <a:t> Ultrasonic Sensor MS515 N°1</a:t>
+              <a:t>*Power Requirements for peripherals supplied via </a:t>
             </a:r>
-            <a:endParaRPr lang="en-SG" sz="1200" dirty="0">
-              <a:solidFill>
-                <a:schemeClr val="tx1"/>
-              </a:solidFill>
+            <a:r>
+              <a:rPr lang="en-US" sz="1200" b="1" dirty="0" err="1">
+                <a:latin typeface="Times New Roman" panose="02020603050405020304" pitchFamily="18" charset="0"/>
+                <a:cs typeface="Times New Roman" panose="02020603050405020304" pitchFamily="18" charset="0"/>
+              </a:rPr>
+              <a:t>Keyestudio</a:t>
+            </a:r>
+            <a:r>
+              <a:rPr lang="en-US" sz="1200" b="1" dirty="0">
+                <a:latin typeface="Times New Roman" panose="02020603050405020304" pitchFamily="18" charset="0"/>
+                <a:cs typeface="Times New Roman" panose="02020603050405020304" pitchFamily="18" charset="0"/>
+              </a:rPr>
+              <a:t> ESP 32 shield</a:t>
+            </a:r>
+            <a:endParaRPr lang="en-SG" sz="1200" b="1" dirty="0">
               <a:latin typeface="Times New Roman" panose="02020603050405020304" pitchFamily="18" charset="0"/>
               <a:cs typeface="Times New Roman" panose="02020603050405020304" pitchFamily="18" charset="0"/>
             </a:endParaRPr>
           </a:p>
         </p:txBody>
       </p:sp>
-      <p:cxnSp>
-        <p:nvCxnSpPr>
-          <p:cNvPr id="15" name="Straight Arrow Connector 14">
-            <a:extLst>
-              <a:ext uri="{FF2B5EF4-FFF2-40B4-BE49-F238E27FC236}">
-                <a16:creationId xmlns:a16="http://schemas.microsoft.com/office/drawing/2014/main" id="{04110BB7-0E26-43B5-BABF-DB2A790592FD}"/>
-              </a:ext>
-            </a:extLst>
-          </p:cNvPr>
-          <p:cNvCxnSpPr>
-            <a:cxnSpLocks/>
-            <a:stCxn id="14" idx="3"/>
-            <a:endCxn id="10" idx="1"/>
-          </p:cNvCxnSpPr>
-          <p:nvPr/>
-        </p:nvCxnSpPr>
-        <p:spPr>
-          <a:xfrm>
-            <a:off x="2712720" y="2476499"/>
-            <a:ext cx="381000" cy="1906"/>
-          </a:xfrm>
-          <a:prstGeom prst="straightConnector1">
-            <a:avLst/>
-          </a:prstGeom>
-          <a:ln w="19050">
-            <a:solidFill>
-              <a:srgbClr val="FF0000"/>
-            </a:solidFill>
-            <a:tailEnd type="triangle"/>
-          </a:ln>
-        </p:spPr>
-        <p:style>
-          <a:lnRef idx="1">
-            <a:schemeClr val="accent1"/>
-          </a:lnRef>
-          <a:fillRef idx="0">
-            <a:schemeClr val="accent1"/>
-          </a:fillRef>
-          <a:effectRef idx="0">
-            <a:schemeClr val="accent1"/>
-          </a:effectRef>
-          <a:fontRef idx="minor">
-            <a:schemeClr val="tx1"/>
-          </a:fontRef>
-        </p:style>
-      </p:cxnSp>
     </p:spTree>
     <p:extLst>
       <p:ext uri="{BB962C8B-B14F-4D97-AF65-F5344CB8AC3E}">
